--- a/Farmers Market Presentation.pptx
+++ b/Farmers Market Presentation.pptx
@@ -5,10 +5,10 @@
     <p:sldMasterId id="2147483648" r:id="rId4"/>
   </p:sldMasterIdLst>
   <p:notesMasterIdLst>
-    <p:notesMasterId r:id="rId17"/>
+    <p:notesMasterId r:id="rId21"/>
   </p:notesMasterIdLst>
   <p:handoutMasterIdLst>
-    <p:handoutMasterId r:id="rId18"/>
+    <p:handoutMasterId r:id="rId22"/>
   </p:handoutMasterIdLst>
   <p:sldIdLst>
     <p:sldId id="256" r:id="rId5"/>
@@ -20,9 +20,13 @@
     <p:sldId id="275" r:id="rId11"/>
     <p:sldId id="259" r:id="rId12"/>
     <p:sldId id="276" r:id="rId13"/>
-    <p:sldId id="278" r:id="rId14"/>
-    <p:sldId id="277" r:id="rId15"/>
-    <p:sldId id="272" r:id="rId16"/>
+    <p:sldId id="280" r:id="rId14"/>
+    <p:sldId id="282" r:id="rId15"/>
+    <p:sldId id="283" r:id="rId16"/>
+    <p:sldId id="278" r:id="rId17"/>
+    <p:sldId id="281" r:id="rId18"/>
+    <p:sldId id="277" r:id="rId19"/>
+    <p:sldId id="272" r:id="rId20"/>
   </p:sldIdLst>
   <p:sldSz cx="12188825" cy="6858000"/>
   <p:notesSz cx="6858000" cy="9144000"/>
@@ -5673,8 +5677,8 @@
   <dgm:cxnLst>
     <dgm:cxn modelId="{BBC6752A-D17B-4AD7-99D3-1D835808FB2C}" srcId="{B1237546-7B45-4E14-B0C0-3FF7D66B3771}" destId="{AD00DE1E-0563-4255-8FD2-F4AD965A33AA}" srcOrd="0" destOrd="0" parTransId="{68537D86-0A87-4C6A-9B84-5283BED986A4}" sibTransId="{DFD24B2D-3450-4456-9144-BBFB0CCF4261}"/>
     <dgm:cxn modelId="{31525B43-2EFC-4453-A132-21CF83AC556C}" type="presOf" srcId="{6909F26C-2AFD-491C-B7DA-AAA42DBC0A63}" destId="{F5B89757-9D8A-44CB-B66E-A04A55C5A98B}" srcOrd="0" destOrd="0" presId="urn:microsoft.com/office/officeart/2018/2/layout/IconVerticalSolidList"/>
+    <dgm:cxn modelId="{0F734255-F78B-4EBA-B1D8-1FF241A49D0E}" type="presOf" srcId="{AD00DE1E-0563-4255-8FD2-F4AD965A33AA}" destId="{952ACF88-B487-451D-B5C7-83396E42BF6D}" srcOrd="0" destOrd="0" presId="urn:microsoft.com/office/officeart/2018/2/layout/IconVerticalSolidList"/>
     <dgm:cxn modelId="{3519446E-20BA-4B6E-A17A-8E71715F5C97}" srcId="{B1237546-7B45-4E14-B0C0-3FF7D66B3771}" destId="{712846BD-3AD0-4B22-A8C4-80A5AE60E796}" srcOrd="2" destOrd="0" parTransId="{66715A1A-7582-4C51-A81E-40404AF0E27B}" sibTransId="{84687CD1-6808-4B63-8014-14B4D541E8C1}"/>
-    <dgm:cxn modelId="{0F734255-F78B-4EBA-B1D8-1FF241A49D0E}" type="presOf" srcId="{AD00DE1E-0563-4255-8FD2-F4AD965A33AA}" destId="{952ACF88-B487-451D-B5C7-83396E42BF6D}" srcOrd="0" destOrd="0" presId="urn:microsoft.com/office/officeart/2018/2/layout/IconVerticalSolidList"/>
     <dgm:cxn modelId="{69C6CF81-0E8D-402C-94EC-EBCC13925789}" type="presOf" srcId="{B1237546-7B45-4E14-B0C0-3FF7D66B3771}" destId="{F9AFA6F9-7755-4B27-A570-3337EF98AB99}" srcOrd="0" destOrd="0" presId="urn:microsoft.com/office/officeart/2018/2/layout/IconVerticalSolidList"/>
     <dgm:cxn modelId="{1D5BA88A-9F66-4D65-981A-8E88BB2DDBB5}" type="presOf" srcId="{712846BD-3AD0-4B22-A8C4-80A5AE60E796}" destId="{06BAE9C4-D580-47B7-9D35-BE7B5F124992}" srcOrd="0" destOrd="0" presId="urn:microsoft.com/office/officeart/2018/2/layout/IconVerticalSolidList"/>
     <dgm:cxn modelId="{C9B6EF90-9E65-42C7-84AB-E96DA6899E29}" srcId="{B1237546-7B45-4E14-B0C0-3FF7D66B3771}" destId="{6909F26C-2AFD-491C-B7DA-AAA42DBC0A63}" srcOrd="1" destOrd="0" parTransId="{34433870-32BD-49A1-B9F6-FD8402EE7706}" sibTransId="{CF8BAB34-1BA0-495A-BF28-2DDDF75C57E6}"/>
@@ -5728,10 +5732,10 @@
         <a:lstStyle/>
         <a:p>
           <a:r>
-            <a:rPr lang="en-AU"/>
+            <a:rPr lang="en-AU" dirty="0"/>
             <a:t>To use a number of features to make an integrated shopping platform. </a:t>
           </a:r>
-          <a:endParaRPr lang="en-US"/>
+          <a:endParaRPr lang="en-US" dirty="0"/>
         </a:p>
       </dgm:t>
     </dgm:pt>
@@ -7991,9 +7995,9 @@
     <dgm:cxn modelId="{23974820-998E-48DE-9DAB-A1D3CCED0AE8}" type="presOf" srcId="{D86214C4-0674-4844-9495-7C65E3608F10}" destId="{3C96F0AC-AF3F-427D-8134-E70885D6CC6C}" srcOrd="0" destOrd="0" presId="urn:microsoft.com/office/officeart/2005/8/layout/default"/>
     <dgm:cxn modelId="{816A803E-0FE3-4545-86D4-DAE04FDD0AEE}" type="presOf" srcId="{3B616A98-A188-4D79-A261-02D197DEFC1E}" destId="{A319291D-9A2C-4BA3-9F30-E9A2EC1BD73F}" srcOrd="0" destOrd="0" presId="urn:microsoft.com/office/officeart/2005/8/layout/default"/>
     <dgm:cxn modelId="{FAEBFA42-EE42-4145-BBF3-D60D24EDDC83}" type="presOf" srcId="{ADC3E1DC-17CC-476E-B780-402EC13AD86D}" destId="{071BA929-4268-43E1-B338-3ACBE8574584}" srcOrd="0" destOrd="0" presId="urn:microsoft.com/office/officeart/2005/8/layout/default"/>
-    <dgm:cxn modelId="{2D78A169-F9FD-4F08-AD4A-2A56D7197CA1}" srcId="{11A02E2C-7112-4B97-90A2-D7EF2533A2CA}" destId="{ADC3E1DC-17CC-476E-B780-402EC13AD86D}" srcOrd="5" destOrd="0" parTransId="{28167F8C-0381-4522-BA55-171C85C73D1E}" sibTransId="{C9344B69-897C-447F-9CEC-74CF537CF741}"/>
     <dgm:cxn modelId="{4D1B374E-DDD4-47B5-B9BF-60D7A82BFEA1}" type="presOf" srcId="{11A02E2C-7112-4B97-90A2-D7EF2533A2CA}" destId="{47162E9C-0CF0-43D1-BE2C-665D9AE3BE49}" srcOrd="0" destOrd="0" presId="urn:microsoft.com/office/officeart/2005/8/layout/default"/>
     <dgm:cxn modelId="{E64B4B51-6ADC-4C7C-9C2D-EE92F54819CE}" srcId="{11A02E2C-7112-4B97-90A2-D7EF2533A2CA}" destId="{B08A838D-0AF3-47EE-9C66-DC94DA9BD694}" srcOrd="0" destOrd="0" parTransId="{245ADFEC-332F-4C40-ADD0-B74EA29E64E6}" sibTransId="{3A9655E1-4075-4BC7-B30B-FA16AA29EFFB}"/>
+    <dgm:cxn modelId="{2D78A169-F9FD-4F08-AD4A-2A56D7197CA1}" srcId="{11A02E2C-7112-4B97-90A2-D7EF2533A2CA}" destId="{ADC3E1DC-17CC-476E-B780-402EC13AD86D}" srcOrd="5" destOrd="0" parTransId="{28167F8C-0381-4522-BA55-171C85C73D1E}" sibTransId="{C9344B69-897C-447F-9CEC-74CF537CF741}"/>
     <dgm:cxn modelId="{32F955A4-72DB-48AA-945A-6672D2F96F08}" srcId="{11A02E2C-7112-4B97-90A2-D7EF2533A2CA}" destId="{315F5686-E320-4179-96E6-66AB467B3679}" srcOrd="3" destOrd="0" parTransId="{9A62D811-3BAC-4465-B468-558E9021D5E7}" sibTransId="{5DCB34D1-6601-4DC0-9A11-923C5C646937}"/>
     <dgm:cxn modelId="{75DF5FB1-9E2B-4B07-BF80-E30E9EC11E25}" srcId="{11A02E2C-7112-4B97-90A2-D7EF2533A2CA}" destId="{CE96F34F-2C52-4337-BC96-E3BA137B9B66}" srcOrd="1" destOrd="0" parTransId="{CCDF04C2-79AB-4258-B3B8-82F2C07C467B}" sibTransId="{4F052DA8-912C-49F1-9610-9BC28C2729B5}"/>
     <dgm:cxn modelId="{920B9FD8-D516-42F2-A02F-CBB43AAA5DC8}" type="presOf" srcId="{315F5686-E320-4179-96E6-66AB467B3679}" destId="{7643F115-1660-4A72-83E4-31EFACD09831}" srcOrd="0" destOrd="0" presId="urn:microsoft.com/office/officeart/2005/8/layout/default"/>
@@ -9035,10 +9039,10 @@
             <a:buNone/>
           </a:pPr>
           <a:r>
-            <a:rPr lang="en-AU" sz="2500" kern="1200"/>
+            <a:rPr lang="en-AU" sz="2500" kern="1200" dirty="0"/>
             <a:t>To use a number of features to make an integrated shopping platform. </a:t>
           </a:r>
-          <a:endParaRPr lang="en-US" sz="2500" kern="1200"/>
+          <a:endParaRPr lang="en-US" sz="2500" kern="1200" dirty="0"/>
         </a:p>
       </dsp:txBody>
       <dsp:txXfrm>
@@ -21335,7 +21339,7 @@
           <a:p>
             <a:fld id="{705E03B7-B591-4A2A-B695-014C5A39F13E}" type="datetimeFigureOut">
               <a:rPr lang="en-US"/>
-              <a:t>8/22/2020</a:t>
+              <a:t>8/24/20</a:t>
             </a:fld>
             <a:endParaRPr/>
           </a:p>
@@ -21500,7 +21504,7 @@
           <a:p>
             <a:fld id="{67DFBD7B-E4FB-4AA8-9540-FD148073ACB3}" type="datetimeFigureOut">
               <a:rPr lang="en-US"/>
-              <a:t>8/22/2020</a:t>
+              <a:t>8/24/20</a:t>
             </a:fld>
             <a:endParaRPr/>
           </a:p>
@@ -22146,7 +22150,7 @@
           <a:p>
             <a:fld id="{2FAAC709-4120-421F-ABD1-06DDBEE7D632}" type="datetime1">
               <a:rPr lang="en-US" smtClean="0"/>
-              <a:t>8/22/2020</a:t>
+              <a:t>8/24/20</a:t>
             </a:fld>
             <a:endParaRPr/>
           </a:p>
@@ -22347,7 +22351,7 @@
           <a:p>
             <a:fld id="{DF23ACD0-F3BE-46A6-9881-CAD0F31C0A10}" type="datetime1">
               <a:rPr lang="en-US" smtClean="0"/>
-              <a:t>8/22/2020</a:t>
+              <a:t>8/24/20</a:t>
             </a:fld>
             <a:endParaRPr/>
           </a:p>
@@ -22897,7 +22901,7 @@
           <a:p>
             <a:fld id="{1EE88187-EA63-4BE2-8F6C-C8C7B9914431}" type="datetime1">
               <a:rPr lang="en-US" smtClean="0"/>
-              <a:t>8/22/2020</a:t>
+              <a:t>8/24/20</a:t>
             </a:fld>
             <a:endParaRPr/>
           </a:p>
@@ -23098,7 +23102,7 @@
           <a:p>
             <a:fld id="{6967F176-5969-40AD-99E8-2F1AA270539D}" type="datetime1">
               <a:rPr lang="en-US" smtClean="0"/>
-              <a:t>8/22/2020</a:t>
+              <a:t>8/24/20</a:t>
             </a:fld>
             <a:endParaRPr/>
           </a:p>
@@ -23702,7 +23706,7 @@
           <a:p>
             <a:fld id="{956AEE96-BBDF-4083-A3E0-AACB6E46EEA9}" type="datetime1">
               <a:rPr lang="en-US" smtClean="0"/>
-              <a:t>8/22/2020</a:t>
+              <a:t>8/24/20</a:t>
             </a:fld>
             <a:endParaRPr/>
           </a:p>
@@ -24014,7 +24018,7 @@
           <a:p>
             <a:fld id="{C5DA6BF5-A929-4588-AA75-7879F802FA16}" type="datetime1">
               <a:rPr lang="en-US" smtClean="0"/>
-              <a:t>8/22/2020</a:t>
+              <a:t>8/24/20</a:t>
             </a:fld>
             <a:endParaRPr/>
           </a:p>
@@ -24476,7 +24480,7 @@
           <a:p>
             <a:fld id="{1C1CB282-2394-4DFE-A286-AC260392B04A}" type="datetime1">
               <a:rPr lang="en-US" smtClean="0"/>
-              <a:t>8/22/2020</a:t>
+              <a:t>8/24/20</a:t>
             </a:fld>
             <a:endParaRPr/>
           </a:p>
@@ -24609,7 +24613,7 @@
           <a:p>
             <a:fld id="{A11A980C-5E36-49D1-8A20-002826F7003A}" type="datetime1">
               <a:rPr lang="en-US" smtClean="0"/>
-              <a:t>8/22/2020</a:t>
+              <a:t>8/24/20</a:t>
             </a:fld>
             <a:endParaRPr/>
           </a:p>
@@ -24902,7 +24906,7 @@
           <a:p>
             <a:fld id="{14C0DDAB-DEB3-481B-8C15-95DB831C8731}" type="datetime1">
               <a:rPr lang="en-US" smtClean="0"/>
-              <a:t>8/22/2020</a:t>
+              <a:t>8/24/20</a:t>
             </a:fld>
             <a:endParaRPr/>
           </a:p>
@@ -25201,7 +25205,7 @@
           <a:p>
             <a:fld id="{1FBD820E-9DDD-4387-9306-F9CEC737353F}" type="datetime1">
               <a:rPr lang="en-US" smtClean="0"/>
-              <a:t>8/22/2020</a:t>
+              <a:t>8/24/20</a:t>
             </a:fld>
             <a:endParaRPr/>
           </a:p>
@@ -25485,7 +25489,7 @@
           <a:p>
             <a:fld id="{173702C8-8ED5-4A77-A713-4562CEDDB8D8}" type="datetime1">
               <a:rPr lang="en-US" smtClean="0"/>
-              <a:t>8/22/2020</a:t>
+              <a:t>8/24/20</a:t>
             </a:fld>
             <a:endParaRPr/>
           </a:p>
@@ -26066,7 +26070,7 @@
           <a:p>
             <a:fld id="{6B92DBCE-F44A-4A8C-8E02-12BCD1A451BC}" type="datetime1">
               <a:rPr lang="en-US" smtClean="0"/>
-              <a:t>8/22/2020</a:t>
+              <a:t>8/24/20</a:t>
             </a:fld>
             <a:endParaRPr dirty="0"/>
           </a:p>
@@ -26569,6 +26573,60 @@
           </a:p>
         </p:txBody>
       </p:sp>
+      <p:sp>
+        <p:nvSpPr>
+          <p:cNvPr id="5" name="Rectangle 4">
+            <a:extLst>
+              <a:ext uri="{FF2B5EF4-FFF2-40B4-BE49-F238E27FC236}">
+                <a16:creationId xmlns:a16="http://schemas.microsoft.com/office/drawing/2014/main" id="{A8FB0F6B-187D-E248-91D8-008F4E0C9140}"/>
+              </a:ext>
+            </a:extLst>
+          </p:cNvPr>
+          <p:cNvSpPr/>
+          <p:nvPr/>
+        </p:nvSpPr>
+        <p:spPr>
+          <a:xfrm>
+            <a:off x="11567020" y="6381328"/>
+            <a:ext cx="360040" cy="288032"/>
+          </a:xfrm>
+          <a:prstGeom prst="rect">
+            <a:avLst/>
+          </a:prstGeom>
+          <a:solidFill>
+            <a:schemeClr val="bg1"/>
+          </a:solidFill>
+          <a:ln>
+            <a:solidFill>
+              <a:schemeClr val="bg1"/>
+            </a:solidFill>
+          </a:ln>
+        </p:spPr>
+        <p:style>
+          <a:lnRef idx="2">
+            <a:schemeClr val="accent1">
+              <a:shade val="50000"/>
+            </a:schemeClr>
+          </a:lnRef>
+          <a:fillRef idx="1">
+            <a:schemeClr val="accent1"/>
+          </a:fillRef>
+          <a:effectRef idx="0">
+            <a:schemeClr val="accent1"/>
+          </a:effectRef>
+          <a:fontRef idx="minor">
+            <a:schemeClr val="lt1"/>
+          </a:fontRef>
+        </p:style>
+        <p:txBody>
+          <a:bodyPr rtlCol="0" anchor="ctr"/>
+          <a:lstStyle/>
+          <a:p>
+            <a:pPr algn="ctr"/>
+            <a:endParaRPr lang="en-US"/>
+          </a:p>
+        </p:txBody>
+      </p:sp>
     </p:spTree>
     <p:extLst>
       <p:ext uri="{BB962C8B-B14F-4D97-AF65-F5344CB8AC3E}">
@@ -26595,6 +26653,2544 @@
 </file>
 
 <file path=ppt/slides/slide10.xml><?xml version="1.0" encoding="utf-8"?>
+<p:sld xmlns:a="http://schemas.openxmlformats.org/drawingml/2006/main" xmlns:r="http://schemas.openxmlformats.org/officeDocument/2006/relationships" xmlns:p="http://schemas.openxmlformats.org/presentationml/2006/main">
+  <p:cSld>
+    <p:spTree>
+      <p:nvGrpSpPr>
+        <p:cNvPr id="1" name=""/>
+        <p:cNvGrpSpPr/>
+        <p:nvPr/>
+      </p:nvGrpSpPr>
+      <p:grpSpPr>
+        <a:xfrm>
+          <a:off x="0" y="0"/>
+          <a:ext cx="0" cy="0"/>
+          <a:chOff x="0" y="0"/>
+          <a:chExt cx="0" cy="0"/>
+        </a:xfrm>
+      </p:grpSpPr>
+      <p:sp>
+        <p:nvSpPr>
+          <p:cNvPr id="2" name="Title 1">
+            <a:extLst>
+              <a:ext uri="{FF2B5EF4-FFF2-40B4-BE49-F238E27FC236}">
+                <a16:creationId xmlns:a16="http://schemas.microsoft.com/office/drawing/2014/main" id="{1EEDA6DD-2E34-9044-8677-C484D465264E}"/>
+              </a:ext>
+            </a:extLst>
+          </p:cNvPr>
+          <p:cNvSpPr>
+            <a:spLocks noGrp="1"/>
+          </p:cNvSpPr>
+          <p:nvPr>
+            <p:ph type="title"/>
+          </p:nvPr>
+        </p:nvSpPr>
+        <p:spPr/>
+        <p:txBody>
+          <a:bodyPr/>
+          <a:lstStyle/>
+          <a:p>
+            <a:r>
+              <a:rPr lang="en-US" dirty="0"/>
+              <a:t>Architecture</a:t>
+            </a:r>
+          </a:p>
+        </p:txBody>
+      </p:sp>
+      <p:sp>
+        <p:nvSpPr>
+          <p:cNvPr id="4" name="Slide Number Placeholder 3">
+            <a:extLst>
+              <a:ext uri="{FF2B5EF4-FFF2-40B4-BE49-F238E27FC236}">
+                <a16:creationId xmlns:a16="http://schemas.microsoft.com/office/drawing/2014/main" id="{2079CA1E-E44F-904D-B5A3-10D287229D1E}"/>
+              </a:ext>
+            </a:extLst>
+          </p:cNvPr>
+          <p:cNvSpPr>
+            <a:spLocks noGrp="1"/>
+          </p:cNvSpPr>
+          <p:nvPr>
+            <p:ph type="sldNum" sz="quarter" idx="12"/>
+          </p:nvPr>
+        </p:nvSpPr>
+        <p:spPr/>
+        <p:txBody>
+          <a:bodyPr/>
+          <a:lstStyle/>
+          <a:p>
+            <a:fld id="{34C99D79-8A4B-4031-B1E0-AF26F8EDF2BC}" type="slidenum">
+              <a:rPr lang="en-AU" smtClean="0"/>
+              <a:t>10</a:t>
+            </a:fld>
+            <a:endParaRPr lang="en-AU"/>
+          </a:p>
+        </p:txBody>
+      </p:sp>
+      <p:sp>
+        <p:nvSpPr>
+          <p:cNvPr id="5" name="Rectangle 4">
+            <a:extLst>
+              <a:ext uri="{FF2B5EF4-FFF2-40B4-BE49-F238E27FC236}">
+                <a16:creationId xmlns:a16="http://schemas.microsoft.com/office/drawing/2014/main" id="{BDBF4867-AF9F-7A43-99CE-DC3ECF6A1250}"/>
+              </a:ext>
+            </a:extLst>
+          </p:cNvPr>
+          <p:cNvSpPr/>
+          <p:nvPr/>
+        </p:nvSpPr>
+        <p:spPr>
+          <a:xfrm>
+            <a:off x="477788" y="3501008"/>
+            <a:ext cx="1296144" cy="749980"/>
+          </a:xfrm>
+          <a:prstGeom prst="rect">
+            <a:avLst/>
+          </a:prstGeom>
+          <a:noFill/>
+          <a:ln>
+            <a:solidFill>
+              <a:schemeClr val="tx1"/>
+            </a:solidFill>
+          </a:ln>
+        </p:spPr>
+        <p:style>
+          <a:lnRef idx="2">
+            <a:schemeClr val="accent1">
+              <a:shade val="50000"/>
+            </a:schemeClr>
+          </a:lnRef>
+          <a:fillRef idx="1">
+            <a:schemeClr val="accent1"/>
+          </a:fillRef>
+          <a:effectRef idx="0">
+            <a:schemeClr val="accent1"/>
+          </a:effectRef>
+          <a:fontRef idx="minor">
+            <a:schemeClr val="lt1"/>
+          </a:fontRef>
+        </p:style>
+        <p:txBody>
+          <a:bodyPr rtlCol="0" anchor="ctr"/>
+          <a:lstStyle/>
+          <a:p>
+            <a:pPr algn="ctr"/>
+            <a:r>
+              <a:rPr lang="en-US" sz="2000" dirty="0">
+                <a:solidFill>
+                  <a:schemeClr val="tx1"/>
+                </a:solidFill>
+              </a:rPr>
+              <a:t>Router</a:t>
+            </a:r>
+            <a:endParaRPr lang="en-US" dirty="0">
+              <a:solidFill>
+                <a:schemeClr val="tx1"/>
+              </a:solidFill>
+            </a:endParaRPr>
+          </a:p>
+        </p:txBody>
+      </p:sp>
+      <p:sp>
+        <p:nvSpPr>
+          <p:cNvPr id="6" name="Rectangle 5">
+            <a:extLst>
+              <a:ext uri="{FF2B5EF4-FFF2-40B4-BE49-F238E27FC236}">
+                <a16:creationId xmlns:a16="http://schemas.microsoft.com/office/drawing/2014/main" id="{5EAB605D-B095-954D-AFB9-E6398227EB3E}"/>
+              </a:ext>
+            </a:extLst>
+          </p:cNvPr>
+          <p:cNvSpPr/>
+          <p:nvPr/>
+        </p:nvSpPr>
+        <p:spPr>
+          <a:xfrm>
+            <a:off x="2133972" y="3501007"/>
+            <a:ext cx="1656184" cy="749981"/>
+          </a:xfrm>
+          <a:prstGeom prst="rect">
+            <a:avLst/>
+          </a:prstGeom>
+          <a:noFill/>
+          <a:ln>
+            <a:solidFill>
+              <a:schemeClr val="tx1"/>
+            </a:solidFill>
+          </a:ln>
+        </p:spPr>
+        <p:style>
+          <a:lnRef idx="2">
+            <a:schemeClr val="accent1">
+              <a:shade val="50000"/>
+            </a:schemeClr>
+          </a:lnRef>
+          <a:fillRef idx="1">
+            <a:schemeClr val="accent1"/>
+          </a:fillRef>
+          <a:effectRef idx="0">
+            <a:schemeClr val="accent1"/>
+          </a:effectRef>
+          <a:fontRef idx="minor">
+            <a:schemeClr val="lt1"/>
+          </a:fontRef>
+        </p:style>
+        <p:txBody>
+          <a:bodyPr rtlCol="0" anchor="ctr"/>
+          <a:lstStyle/>
+          <a:p>
+            <a:pPr algn="ctr"/>
+            <a:r>
+              <a:rPr lang="en-US" sz="2000" dirty="0">
+                <a:solidFill>
+                  <a:schemeClr val="tx1"/>
+                </a:solidFill>
+              </a:rPr>
+              <a:t>Components</a:t>
+            </a:r>
+            <a:endParaRPr lang="en-US" sz="1400" dirty="0">
+              <a:solidFill>
+                <a:schemeClr val="tx1"/>
+              </a:solidFill>
+            </a:endParaRPr>
+          </a:p>
+        </p:txBody>
+      </p:sp>
+      <p:sp>
+        <p:nvSpPr>
+          <p:cNvPr id="7" name="Rectangle 6">
+            <a:extLst>
+              <a:ext uri="{FF2B5EF4-FFF2-40B4-BE49-F238E27FC236}">
+                <a16:creationId xmlns:a16="http://schemas.microsoft.com/office/drawing/2014/main" id="{8BD83CBD-FFE1-C544-9476-ECA22085CFE1}"/>
+              </a:ext>
+            </a:extLst>
+          </p:cNvPr>
+          <p:cNvSpPr/>
+          <p:nvPr/>
+        </p:nvSpPr>
+        <p:spPr>
+          <a:xfrm>
+            <a:off x="4004974" y="3501008"/>
+            <a:ext cx="1296144" cy="749980"/>
+          </a:xfrm>
+          <a:prstGeom prst="rect">
+            <a:avLst/>
+          </a:prstGeom>
+          <a:noFill/>
+          <a:ln>
+            <a:solidFill>
+              <a:schemeClr val="tx1"/>
+            </a:solidFill>
+            <a:prstDash val="dashDot"/>
+          </a:ln>
+        </p:spPr>
+        <p:style>
+          <a:lnRef idx="2">
+            <a:schemeClr val="accent1">
+              <a:shade val="50000"/>
+            </a:schemeClr>
+          </a:lnRef>
+          <a:fillRef idx="1">
+            <a:schemeClr val="accent1"/>
+          </a:fillRef>
+          <a:effectRef idx="0">
+            <a:schemeClr val="accent1"/>
+          </a:effectRef>
+          <a:fontRef idx="minor">
+            <a:schemeClr val="lt1"/>
+          </a:fontRef>
+        </p:style>
+        <p:txBody>
+          <a:bodyPr rtlCol="0" anchor="ctr"/>
+          <a:lstStyle/>
+          <a:p>
+            <a:pPr algn="ctr"/>
+            <a:r>
+              <a:rPr lang="en-US" sz="2000" dirty="0">
+                <a:solidFill>
+                  <a:schemeClr val="tx1"/>
+                </a:solidFill>
+              </a:rPr>
+              <a:t>Http</a:t>
+            </a:r>
+            <a:endParaRPr lang="en-US" dirty="0">
+              <a:solidFill>
+                <a:schemeClr val="tx1"/>
+              </a:solidFill>
+            </a:endParaRPr>
+          </a:p>
+        </p:txBody>
+      </p:sp>
+      <p:sp>
+        <p:nvSpPr>
+          <p:cNvPr id="8" name="Rounded Rectangle 7">
+            <a:extLst>
+              <a:ext uri="{FF2B5EF4-FFF2-40B4-BE49-F238E27FC236}">
+                <a16:creationId xmlns:a16="http://schemas.microsoft.com/office/drawing/2014/main" id="{39833A3E-250C-564E-BC34-6A4B8BFA59E8}"/>
+              </a:ext>
+            </a:extLst>
+          </p:cNvPr>
+          <p:cNvSpPr/>
+          <p:nvPr/>
+        </p:nvSpPr>
+        <p:spPr>
+          <a:xfrm>
+            <a:off x="333772" y="2564904"/>
+            <a:ext cx="5256584" cy="1944216"/>
+          </a:xfrm>
+          <a:prstGeom prst="roundRect">
+            <a:avLst/>
+          </a:prstGeom>
+          <a:noFill/>
+          <a:ln>
+            <a:solidFill>
+              <a:schemeClr val="accent2"/>
+            </a:solidFill>
+          </a:ln>
+        </p:spPr>
+        <p:style>
+          <a:lnRef idx="2">
+            <a:schemeClr val="accent1">
+              <a:shade val="50000"/>
+            </a:schemeClr>
+          </a:lnRef>
+          <a:fillRef idx="1">
+            <a:schemeClr val="accent1"/>
+          </a:fillRef>
+          <a:effectRef idx="0">
+            <a:schemeClr val="accent1"/>
+          </a:effectRef>
+          <a:fontRef idx="minor">
+            <a:schemeClr val="lt1"/>
+          </a:fontRef>
+        </p:style>
+        <p:txBody>
+          <a:bodyPr rtlCol="0" anchor="ctr"/>
+          <a:lstStyle/>
+          <a:p>
+            <a:pPr algn="ctr"/>
+            <a:endParaRPr lang="en-US"/>
+          </a:p>
+        </p:txBody>
+      </p:sp>
+      <p:sp>
+        <p:nvSpPr>
+          <p:cNvPr id="11" name="Rounded Rectangle 10">
+            <a:extLst>
+              <a:ext uri="{FF2B5EF4-FFF2-40B4-BE49-F238E27FC236}">
+                <a16:creationId xmlns:a16="http://schemas.microsoft.com/office/drawing/2014/main" id="{8254324F-4EA4-1147-B542-E679361B2B77}"/>
+              </a:ext>
+            </a:extLst>
+          </p:cNvPr>
+          <p:cNvSpPr/>
+          <p:nvPr/>
+        </p:nvSpPr>
+        <p:spPr>
+          <a:xfrm>
+            <a:off x="5959092" y="2564904"/>
+            <a:ext cx="3087648" cy="1944216"/>
+          </a:xfrm>
+          <a:prstGeom prst="roundRect">
+            <a:avLst/>
+          </a:prstGeom>
+          <a:noFill/>
+          <a:ln>
+            <a:solidFill>
+              <a:schemeClr val="accent2"/>
+            </a:solidFill>
+          </a:ln>
+        </p:spPr>
+        <p:style>
+          <a:lnRef idx="2">
+            <a:schemeClr val="accent1">
+              <a:shade val="50000"/>
+            </a:schemeClr>
+          </a:lnRef>
+          <a:fillRef idx="1">
+            <a:schemeClr val="accent1"/>
+          </a:fillRef>
+          <a:effectRef idx="0">
+            <a:schemeClr val="accent1"/>
+          </a:effectRef>
+          <a:fontRef idx="minor">
+            <a:schemeClr val="lt1"/>
+          </a:fontRef>
+        </p:style>
+        <p:txBody>
+          <a:bodyPr rtlCol="0" anchor="ctr"/>
+          <a:lstStyle/>
+          <a:p>
+            <a:pPr algn="ctr"/>
+            <a:endParaRPr lang="en-US"/>
+          </a:p>
+        </p:txBody>
+      </p:sp>
+      <p:sp>
+        <p:nvSpPr>
+          <p:cNvPr id="12" name="Rectangle 11">
+            <a:extLst>
+              <a:ext uri="{FF2B5EF4-FFF2-40B4-BE49-F238E27FC236}">
+                <a16:creationId xmlns:a16="http://schemas.microsoft.com/office/drawing/2014/main" id="{1D5398DF-A62C-FF41-BA3B-9E326A3F2B1B}"/>
+              </a:ext>
+            </a:extLst>
+          </p:cNvPr>
+          <p:cNvSpPr/>
+          <p:nvPr/>
+        </p:nvSpPr>
+        <p:spPr>
+          <a:xfrm>
+            <a:off x="6155140" y="3429000"/>
+            <a:ext cx="1224136" cy="792088"/>
+          </a:xfrm>
+          <a:prstGeom prst="rect">
+            <a:avLst/>
+          </a:prstGeom>
+          <a:noFill/>
+          <a:ln>
+            <a:solidFill>
+              <a:schemeClr val="tx1"/>
+            </a:solidFill>
+          </a:ln>
+        </p:spPr>
+        <p:style>
+          <a:lnRef idx="2">
+            <a:schemeClr val="accent1">
+              <a:shade val="50000"/>
+            </a:schemeClr>
+          </a:lnRef>
+          <a:fillRef idx="1">
+            <a:schemeClr val="accent1"/>
+          </a:fillRef>
+          <a:effectRef idx="0">
+            <a:schemeClr val="accent1"/>
+          </a:effectRef>
+          <a:fontRef idx="minor">
+            <a:schemeClr val="lt1"/>
+          </a:fontRef>
+        </p:style>
+        <p:txBody>
+          <a:bodyPr rtlCol="0" anchor="ctr"/>
+          <a:lstStyle/>
+          <a:p>
+            <a:pPr algn="ctr"/>
+            <a:r>
+              <a:rPr lang="en-US" sz="2000" dirty="0">
+                <a:solidFill>
+                  <a:schemeClr val="tx1"/>
+                </a:solidFill>
+              </a:rPr>
+              <a:t>RESTful</a:t>
+            </a:r>
+          </a:p>
+          <a:p>
+            <a:pPr algn="ctr"/>
+            <a:r>
+              <a:rPr lang="en-US" sz="2000" dirty="0">
+                <a:solidFill>
+                  <a:schemeClr val="tx1"/>
+                </a:solidFill>
+              </a:rPr>
+              <a:t>API</a:t>
+            </a:r>
+            <a:endParaRPr lang="en-US" sz="1400" dirty="0">
+              <a:solidFill>
+                <a:schemeClr val="tx1"/>
+              </a:solidFill>
+            </a:endParaRPr>
+          </a:p>
+        </p:txBody>
+      </p:sp>
+      <p:sp>
+        <p:nvSpPr>
+          <p:cNvPr id="13" name="Rectangle 12">
+            <a:extLst>
+              <a:ext uri="{FF2B5EF4-FFF2-40B4-BE49-F238E27FC236}">
+                <a16:creationId xmlns:a16="http://schemas.microsoft.com/office/drawing/2014/main" id="{ACCF4FEC-AE19-5E49-9FD9-8C95B608971A}"/>
+              </a:ext>
+            </a:extLst>
+          </p:cNvPr>
+          <p:cNvSpPr/>
+          <p:nvPr/>
+        </p:nvSpPr>
+        <p:spPr>
+          <a:xfrm>
+            <a:off x="7748012" y="3458901"/>
+            <a:ext cx="1016808" cy="792088"/>
+          </a:xfrm>
+          <a:prstGeom prst="rect">
+            <a:avLst/>
+          </a:prstGeom>
+          <a:noFill/>
+          <a:ln>
+            <a:solidFill>
+              <a:schemeClr val="tx1"/>
+            </a:solidFill>
+          </a:ln>
+        </p:spPr>
+        <p:style>
+          <a:lnRef idx="2">
+            <a:schemeClr val="accent1">
+              <a:shade val="50000"/>
+            </a:schemeClr>
+          </a:lnRef>
+          <a:fillRef idx="1">
+            <a:schemeClr val="accent1"/>
+          </a:fillRef>
+          <a:effectRef idx="0">
+            <a:schemeClr val="accent1"/>
+          </a:effectRef>
+          <a:fontRef idx="minor">
+            <a:schemeClr val="lt1"/>
+          </a:fontRef>
+        </p:style>
+        <p:txBody>
+          <a:bodyPr rtlCol="0" anchor="ctr"/>
+          <a:lstStyle/>
+          <a:p>
+            <a:pPr algn="ctr"/>
+            <a:r>
+              <a:rPr lang="en-US" sz="2000" dirty="0">
+                <a:solidFill>
+                  <a:schemeClr val="tx1"/>
+                </a:solidFill>
+              </a:rPr>
+              <a:t>ORM</a:t>
+            </a:r>
+            <a:endParaRPr lang="en-US" sz="1400" dirty="0">
+              <a:solidFill>
+                <a:schemeClr val="tx1"/>
+              </a:solidFill>
+            </a:endParaRPr>
+          </a:p>
+        </p:txBody>
+      </p:sp>
+      <p:sp>
+        <p:nvSpPr>
+          <p:cNvPr id="14" name="Can 13">
+            <a:extLst>
+              <a:ext uri="{FF2B5EF4-FFF2-40B4-BE49-F238E27FC236}">
+                <a16:creationId xmlns:a16="http://schemas.microsoft.com/office/drawing/2014/main" id="{BE8D52C4-EE1F-E14D-9258-58813FE02A4E}"/>
+              </a:ext>
+            </a:extLst>
+          </p:cNvPr>
+          <p:cNvSpPr/>
+          <p:nvPr/>
+        </p:nvSpPr>
+        <p:spPr>
+          <a:xfrm>
+            <a:off x="9617742" y="3171241"/>
+            <a:ext cx="1232688" cy="1295400"/>
+          </a:xfrm>
+          <a:prstGeom prst="can">
+            <a:avLst/>
+          </a:prstGeom>
+          <a:noFill/>
+          <a:ln>
+            <a:solidFill>
+              <a:schemeClr val="tx1"/>
+            </a:solidFill>
+          </a:ln>
+        </p:spPr>
+        <p:style>
+          <a:lnRef idx="2">
+            <a:schemeClr val="accent1">
+              <a:shade val="50000"/>
+            </a:schemeClr>
+          </a:lnRef>
+          <a:fillRef idx="1">
+            <a:schemeClr val="accent1"/>
+          </a:fillRef>
+          <a:effectRef idx="0">
+            <a:schemeClr val="accent1"/>
+          </a:effectRef>
+          <a:fontRef idx="minor">
+            <a:schemeClr val="lt1"/>
+          </a:fontRef>
+        </p:style>
+        <p:txBody>
+          <a:bodyPr rtlCol="0" anchor="ctr"/>
+          <a:lstStyle/>
+          <a:p>
+            <a:pPr algn="ctr"/>
+            <a:r>
+              <a:rPr lang="en-US" dirty="0">
+                <a:solidFill>
+                  <a:schemeClr val="tx1"/>
+                </a:solidFill>
+              </a:rPr>
+              <a:t>MySQL</a:t>
+            </a:r>
+          </a:p>
+        </p:txBody>
+      </p:sp>
+      <p:sp>
+        <p:nvSpPr>
+          <p:cNvPr id="16" name="Right Arrow 15">
+            <a:extLst>
+              <a:ext uri="{FF2B5EF4-FFF2-40B4-BE49-F238E27FC236}">
+                <a16:creationId xmlns:a16="http://schemas.microsoft.com/office/drawing/2014/main" id="{C5B62C07-7E18-BB47-9D28-872BA603A896}"/>
+              </a:ext>
+            </a:extLst>
+          </p:cNvPr>
+          <p:cNvSpPr/>
+          <p:nvPr/>
+        </p:nvSpPr>
+        <p:spPr>
+          <a:xfrm>
+            <a:off x="5309814" y="3494905"/>
+            <a:ext cx="856606" cy="366143"/>
+          </a:xfrm>
+          <a:prstGeom prst="rightArrow">
+            <a:avLst/>
+          </a:prstGeom>
+        </p:spPr>
+        <p:style>
+          <a:lnRef idx="2">
+            <a:schemeClr val="accent1">
+              <a:shade val="50000"/>
+            </a:schemeClr>
+          </a:lnRef>
+          <a:fillRef idx="1">
+            <a:schemeClr val="accent1"/>
+          </a:fillRef>
+          <a:effectRef idx="0">
+            <a:schemeClr val="accent1"/>
+          </a:effectRef>
+          <a:fontRef idx="minor">
+            <a:schemeClr val="lt1"/>
+          </a:fontRef>
+        </p:style>
+        <p:txBody>
+          <a:bodyPr rtlCol="0" anchor="ctr"/>
+          <a:lstStyle/>
+          <a:p>
+            <a:pPr algn="ctr"/>
+            <a:endParaRPr lang="en-US"/>
+          </a:p>
+        </p:txBody>
+      </p:sp>
+      <p:sp>
+        <p:nvSpPr>
+          <p:cNvPr id="19" name="Right Arrow 18">
+            <a:extLst>
+              <a:ext uri="{FF2B5EF4-FFF2-40B4-BE49-F238E27FC236}">
+                <a16:creationId xmlns:a16="http://schemas.microsoft.com/office/drawing/2014/main" id="{97E1809F-6D4B-D648-BBC9-30FEF2CC5D47}"/>
+              </a:ext>
+            </a:extLst>
+          </p:cNvPr>
+          <p:cNvSpPr/>
+          <p:nvPr/>
+        </p:nvSpPr>
+        <p:spPr>
+          <a:xfrm rot="10800000">
+            <a:off x="5306337" y="3854945"/>
+            <a:ext cx="856606" cy="366143"/>
+          </a:xfrm>
+          <a:prstGeom prst="rightArrow">
+            <a:avLst/>
+          </a:prstGeom>
+        </p:spPr>
+        <p:style>
+          <a:lnRef idx="2">
+            <a:schemeClr val="accent1">
+              <a:shade val="50000"/>
+            </a:schemeClr>
+          </a:lnRef>
+          <a:fillRef idx="1">
+            <a:schemeClr val="accent1"/>
+          </a:fillRef>
+          <a:effectRef idx="0">
+            <a:schemeClr val="accent1"/>
+          </a:effectRef>
+          <a:fontRef idx="minor">
+            <a:schemeClr val="lt1"/>
+          </a:fontRef>
+        </p:style>
+        <p:txBody>
+          <a:bodyPr rtlCol="0" anchor="ctr"/>
+          <a:lstStyle/>
+          <a:p>
+            <a:pPr algn="ctr"/>
+            <a:endParaRPr lang="en-US"/>
+          </a:p>
+        </p:txBody>
+      </p:sp>
+      <p:sp>
+        <p:nvSpPr>
+          <p:cNvPr id="20" name="Right Arrow 19">
+            <a:extLst>
+              <a:ext uri="{FF2B5EF4-FFF2-40B4-BE49-F238E27FC236}">
+                <a16:creationId xmlns:a16="http://schemas.microsoft.com/office/drawing/2014/main" id="{302B01EF-6573-F941-B730-1D73F08ADAD5}"/>
+              </a:ext>
+            </a:extLst>
+          </p:cNvPr>
+          <p:cNvSpPr/>
+          <p:nvPr/>
+        </p:nvSpPr>
+        <p:spPr>
+          <a:xfrm>
+            <a:off x="8757659" y="3458901"/>
+            <a:ext cx="856606" cy="366143"/>
+          </a:xfrm>
+          <a:prstGeom prst="rightArrow">
+            <a:avLst/>
+          </a:prstGeom>
+        </p:spPr>
+        <p:style>
+          <a:lnRef idx="2">
+            <a:schemeClr val="accent1">
+              <a:shade val="50000"/>
+            </a:schemeClr>
+          </a:lnRef>
+          <a:fillRef idx="1">
+            <a:schemeClr val="accent1"/>
+          </a:fillRef>
+          <a:effectRef idx="0">
+            <a:schemeClr val="accent1"/>
+          </a:effectRef>
+          <a:fontRef idx="minor">
+            <a:schemeClr val="lt1"/>
+          </a:fontRef>
+        </p:style>
+        <p:txBody>
+          <a:bodyPr rtlCol="0" anchor="ctr"/>
+          <a:lstStyle/>
+          <a:p>
+            <a:pPr algn="ctr"/>
+            <a:endParaRPr lang="en-US"/>
+          </a:p>
+        </p:txBody>
+      </p:sp>
+      <p:sp>
+        <p:nvSpPr>
+          <p:cNvPr id="21" name="Right Arrow 20">
+            <a:extLst>
+              <a:ext uri="{FF2B5EF4-FFF2-40B4-BE49-F238E27FC236}">
+                <a16:creationId xmlns:a16="http://schemas.microsoft.com/office/drawing/2014/main" id="{95F4009C-E492-774C-B389-83D77108E69A}"/>
+              </a:ext>
+            </a:extLst>
+          </p:cNvPr>
+          <p:cNvSpPr/>
+          <p:nvPr/>
+        </p:nvSpPr>
+        <p:spPr>
+          <a:xfrm rot="10800000">
+            <a:off x="8754182" y="3818941"/>
+            <a:ext cx="856606" cy="366143"/>
+          </a:xfrm>
+          <a:prstGeom prst="rightArrow">
+            <a:avLst/>
+          </a:prstGeom>
+        </p:spPr>
+        <p:style>
+          <a:lnRef idx="2">
+            <a:schemeClr val="accent1">
+              <a:shade val="50000"/>
+            </a:schemeClr>
+          </a:lnRef>
+          <a:fillRef idx="1">
+            <a:schemeClr val="accent1"/>
+          </a:fillRef>
+          <a:effectRef idx="0">
+            <a:schemeClr val="accent1"/>
+          </a:effectRef>
+          <a:fontRef idx="minor">
+            <a:schemeClr val="lt1"/>
+          </a:fontRef>
+        </p:style>
+        <p:txBody>
+          <a:bodyPr rtlCol="0" anchor="ctr"/>
+          <a:lstStyle/>
+          <a:p>
+            <a:pPr algn="ctr"/>
+            <a:endParaRPr lang="en-US"/>
+          </a:p>
+        </p:txBody>
+      </p:sp>
+      <p:sp>
+        <p:nvSpPr>
+          <p:cNvPr id="22" name="TextBox 21">
+            <a:extLst>
+              <a:ext uri="{FF2B5EF4-FFF2-40B4-BE49-F238E27FC236}">
+                <a16:creationId xmlns:a16="http://schemas.microsoft.com/office/drawing/2014/main" id="{558CC5B3-2B7B-6343-9722-12AE5CAF39BA}"/>
+              </a:ext>
+            </a:extLst>
+          </p:cNvPr>
+          <p:cNvSpPr txBox="1"/>
+          <p:nvPr/>
+        </p:nvSpPr>
+        <p:spPr>
+          <a:xfrm>
+            <a:off x="2133972" y="2699025"/>
+            <a:ext cx="2653932" cy="461665"/>
+          </a:xfrm>
+          <a:prstGeom prst="rect">
+            <a:avLst/>
+          </a:prstGeom>
+          <a:noFill/>
+        </p:spPr>
+        <p:txBody>
+          <a:bodyPr wrap="none" rtlCol="0">
+            <a:spAutoFit/>
+          </a:bodyPr>
+          <a:lstStyle/>
+          <a:p>
+            <a:r>
+              <a:rPr lang="en-US" dirty="0"/>
+              <a:t>Client side - React </a:t>
+            </a:r>
+          </a:p>
+        </p:txBody>
+      </p:sp>
+      <p:sp>
+        <p:nvSpPr>
+          <p:cNvPr id="23" name="TextBox 22">
+            <a:extLst>
+              <a:ext uri="{FF2B5EF4-FFF2-40B4-BE49-F238E27FC236}">
+                <a16:creationId xmlns:a16="http://schemas.microsoft.com/office/drawing/2014/main" id="{6B41D951-6120-2645-8130-76696F3AF928}"/>
+              </a:ext>
+            </a:extLst>
+          </p:cNvPr>
+          <p:cNvSpPr txBox="1"/>
+          <p:nvPr/>
+        </p:nvSpPr>
+        <p:spPr>
+          <a:xfrm>
+            <a:off x="6094412" y="2699024"/>
+            <a:ext cx="2873351" cy="461665"/>
+          </a:xfrm>
+          <a:prstGeom prst="rect">
+            <a:avLst/>
+          </a:prstGeom>
+          <a:noFill/>
+        </p:spPr>
+        <p:txBody>
+          <a:bodyPr wrap="none" rtlCol="0">
+            <a:spAutoFit/>
+          </a:bodyPr>
+          <a:lstStyle/>
+          <a:p>
+            <a:r>
+              <a:rPr lang="en-US" dirty="0"/>
+              <a:t>Server side - Node.js</a:t>
+            </a:r>
+          </a:p>
+        </p:txBody>
+      </p:sp>
+      <p:sp>
+        <p:nvSpPr>
+          <p:cNvPr id="24" name="TextBox 23">
+            <a:extLst>
+              <a:ext uri="{FF2B5EF4-FFF2-40B4-BE49-F238E27FC236}">
+                <a16:creationId xmlns:a16="http://schemas.microsoft.com/office/drawing/2014/main" id="{E02F0A71-7A29-1B41-8E3D-DD5AC7E06968}"/>
+              </a:ext>
+            </a:extLst>
+          </p:cNvPr>
+          <p:cNvSpPr txBox="1"/>
+          <p:nvPr/>
+        </p:nvSpPr>
+        <p:spPr>
+          <a:xfrm>
+            <a:off x="4380927" y="3120347"/>
+            <a:ext cx="633507" cy="338554"/>
+          </a:xfrm>
+          <a:prstGeom prst="rect">
+            <a:avLst/>
+          </a:prstGeom>
+          <a:noFill/>
+        </p:spPr>
+        <p:txBody>
+          <a:bodyPr wrap="none" rtlCol="0">
+            <a:spAutoFit/>
+          </a:bodyPr>
+          <a:lstStyle/>
+          <a:p>
+            <a:r>
+              <a:rPr lang="en-US" sz="1600" dirty="0" err="1">
+                <a:solidFill>
+                  <a:schemeClr val="accent4">
+                    <a:lumMod val="75000"/>
+                  </a:schemeClr>
+                </a:solidFill>
+              </a:rPr>
+              <a:t>axios</a:t>
+            </a:r>
+            <a:endParaRPr lang="en-US" dirty="0">
+              <a:solidFill>
+                <a:schemeClr val="accent4">
+                  <a:lumMod val="75000"/>
+                </a:schemeClr>
+              </a:solidFill>
+            </a:endParaRPr>
+          </a:p>
+        </p:txBody>
+      </p:sp>
+      <p:sp>
+        <p:nvSpPr>
+          <p:cNvPr id="25" name="TextBox 24">
+            <a:extLst>
+              <a:ext uri="{FF2B5EF4-FFF2-40B4-BE49-F238E27FC236}">
+                <a16:creationId xmlns:a16="http://schemas.microsoft.com/office/drawing/2014/main" id="{DD0A4822-DF8A-1644-8F84-326E953FF1D3}"/>
+              </a:ext>
+            </a:extLst>
+          </p:cNvPr>
+          <p:cNvSpPr txBox="1"/>
+          <p:nvPr/>
+        </p:nvSpPr>
+        <p:spPr>
+          <a:xfrm>
+            <a:off x="5460398" y="1645148"/>
+            <a:ext cx="1032334" cy="461665"/>
+          </a:xfrm>
+          <a:prstGeom prst="rect">
+            <a:avLst/>
+          </a:prstGeom>
+          <a:noFill/>
+        </p:spPr>
+        <p:txBody>
+          <a:bodyPr wrap="none" rtlCol="0">
+            <a:spAutoFit/>
+          </a:bodyPr>
+          <a:lstStyle/>
+          <a:p>
+            <a:r>
+              <a:rPr lang="en-US" dirty="0"/>
+              <a:t>Macro</a:t>
+            </a:r>
+          </a:p>
+        </p:txBody>
+      </p:sp>
+      <p:pic>
+        <p:nvPicPr>
+          <p:cNvPr id="26" name="Picture 25">
+            <a:extLst>
+              <a:ext uri="{FF2B5EF4-FFF2-40B4-BE49-F238E27FC236}">
+                <a16:creationId xmlns:a16="http://schemas.microsoft.com/office/drawing/2014/main" id="{DF512775-F6D0-FF4B-844C-2D85FA0D0306}"/>
+              </a:ext>
+            </a:extLst>
+          </p:cNvPr>
+          <p:cNvPicPr>
+            <a:picLocks noChangeAspect="1"/>
+          </p:cNvPicPr>
+          <p:nvPr/>
+        </p:nvPicPr>
+        <p:blipFill>
+          <a:blip r:embed="rId2"/>
+          <a:stretch>
+            <a:fillRect/>
+          </a:stretch>
+        </p:blipFill>
+        <p:spPr>
+          <a:xfrm>
+            <a:off x="11242273" y="767720"/>
+            <a:ext cx="641831" cy="998404"/>
+          </a:xfrm>
+          <a:prstGeom prst="rect">
+            <a:avLst/>
+          </a:prstGeom>
+        </p:spPr>
+      </p:pic>
+      <p:sp>
+        <p:nvSpPr>
+          <p:cNvPr id="27" name="TextBox 26">
+            <a:extLst>
+              <a:ext uri="{FF2B5EF4-FFF2-40B4-BE49-F238E27FC236}">
+                <a16:creationId xmlns:a16="http://schemas.microsoft.com/office/drawing/2014/main" id="{0D7C5BEB-AB79-B04B-A870-7885D3D987BD}"/>
+              </a:ext>
+            </a:extLst>
+          </p:cNvPr>
+          <p:cNvSpPr txBox="1"/>
+          <p:nvPr/>
+        </p:nvSpPr>
+        <p:spPr>
+          <a:xfrm>
+            <a:off x="11156491" y="2074017"/>
+            <a:ext cx="857222" cy="461665"/>
+          </a:xfrm>
+          <a:prstGeom prst="rect">
+            <a:avLst/>
+          </a:prstGeom>
+          <a:noFill/>
+        </p:spPr>
+        <p:txBody>
+          <a:bodyPr wrap="none" rtlCol="0">
+            <a:spAutoFit/>
+          </a:bodyPr>
+          <a:lstStyle/>
+          <a:p>
+            <a:r>
+              <a:rPr lang="en-US" dirty="0"/>
+              <a:t>MVC</a:t>
+            </a:r>
+          </a:p>
+        </p:txBody>
+      </p:sp>
+    </p:spTree>
+    <p:extLst>
+      <p:ext uri="{BB962C8B-B14F-4D97-AF65-F5344CB8AC3E}">
+        <p14:creationId xmlns:p14="http://schemas.microsoft.com/office/powerpoint/2010/main" val="4036994186"/>
+      </p:ext>
+    </p:extLst>
+  </p:cSld>
+  <p:clrMapOvr>
+    <a:masterClrMapping/>
+  </p:clrMapOvr>
+  <mc:AlternateContent xmlns:mc="http://schemas.openxmlformats.org/markup-compatibility/2006" xmlns:p14="http://schemas.microsoft.com/office/powerpoint/2010/main">
+    <mc:Choice Requires="p14">
+      <p:transition spd="med" p14:dur="700">
+        <p:fade/>
+      </p:transition>
+    </mc:Choice>
+    <mc:Fallback xmlns="">
+      <p:transition spd="med">
+        <p:fade/>
+      </p:transition>
+    </mc:Fallback>
+  </mc:AlternateContent>
+</p:sld>
+</file>
+
+<file path=ppt/slides/slide11.xml><?xml version="1.0" encoding="utf-8"?>
+<p:sld xmlns:a="http://schemas.openxmlformats.org/drawingml/2006/main" xmlns:r="http://schemas.openxmlformats.org/officeDocument/2006/relationships" xmlns:p="http://schemas.openxmlformats.org/presentationml/2006/main">
+  <p:cSld>
+    <p:spTree>
+      <p:nvGrpSpPr>
+        <p:cNvPr id="1" name=""/>
+        <p:cNvGrpSpPr/>
+        <p:nvPr/>
+      </p:nvGrpSpPr>
+      <p:grpSpPr>
+        <a:xfrm>
+          <a:off x="0" y="0"/>
+          <a:ext cx="0" cy="0"/>
+          <a:chOff x="0" y="0"/>
+          <a:chExt cx="0" cy="0"/>
+        </a:xfrm>
+      </p:grpSpPr>
+      <p:sp>
+        <p:nvSpPr>
+          <p:cNvPr id="2" name="Title 1">
+            <a:extLst>
+              <a:ext uri="{FF2B5EF4-FFF2-40B4-BE49-F238E27FC236}">
+                <a16:creationId xmlns:a16="http://schemas.microsoft.com/office/drawing/2014/main" id="{1EEDA6DD-2E34-9044-8677-C484D465264E}"/>
+              </a:ext>
+            </a:extLst>
+          </p:cNvPr>
+          <p:cNvSpPr>
+            <a:spLocks noGrp="1"/>
+          </p:cNvSpPr>
+          <p:nvPr>
+            <p:ph type="title"/>
+          </p:nvPr>
+        </p:nvSpPr>
+        <p:spPr/>
+        <p:txBody>
+          <a:bodyPr/>
+          <a:lstStyle/>
+          <a:p>
+            <a:r>
+              <a:rPr lang="en-US" dirty="0"/>
+              <a:t>Architecture</a:t>
+            </a:r>
+          </a:p>
+        </p:txBody>
+      </p:sp>
+      <p:sp>
+        <p:nvSpPr>
+          <p:cNvPr id="4" name="Slide Number Placeholder 3">
+            <a:extLst>
+              <a:ext uri="{FF2B5EF4-FFF2-40B4-BE49-F238E27FC236}">
+                <a16:creationId xmlns:a16="http://schemas.microsoft.com/office/drawing/2014/main" id="{2079CA1E-E44F-904D-B5A3-10D287229D1E}"/>
+              </a:ext>
+            </a:extLst>
+          </p:cNvPr>
+          <p:cNvSpPr>
+            <a:spLocks noGrp="1"/>
+          </p:cNvSpPr>
+          <p:nvPr>
+            <p:ph type="sldNum" sz="quarter" idx="12"/>
+          </p:nvPr>
+        </p:nvSpPr>
+        <p:spPr/>
+        <p:txBody>
+          <a:bodyPr/>
+          <a:lstStyle/>
+          <a:p>
+            <a:fld id="{34C99D79-8A4B-4031-B1E0-AF26F8EDF2BC}" type="slidenum">
+              <a:rPr lang="en-AU" smtClean="0"/>
+              <a:t>11</a:t>
+            </a:fld>
+            <a:endParaRPr lang="en-AU"/>
+          </a:p>
+        </p:txBody>
+      </p:sp>
+      <p:sp>
+        <p:nvSpPr>
+          <p:cNvPr id="5" name="Rectangle 4">
+            <a:extLst>
+              <a:ext uri="{FF2B5EF4-FFF2-40B4-BE49-F238E27FC236}">
+                <a16:creationId xmlns:a16="http://schemas.microsoft.com/office/drawing/2014/main" id="{BDBF4867-AF9F-7A43-99CE-DC3ECF6A1250}"/>
+              </a:ext>
+            </a:extLst>
+          </p:cNvPr>
+          <p:cNvSpPr/>
+          <p:nvPr/>
+        </p:nvSpPr>
+        <p:spPr>
+          <a:xfrm>
+            <a:off x="2998068" y="2692572"/>
+            <a:ext cx="1368152" cy="2149994"/>
+          </a:xfrm>
+          <a:prstGeom prst="rect">
+            <a:avLst/>
+          </a:prstGeom>
+          <a:noFill/>
+          <a:ln>
+            <a:solidFill>
+              <a:schemeClr val="tx1"/>
+            </a:solidFill>
+          </a:ln>
+        </p:spPr>
+        <p:style>
+          <a:lnRef idx="2">
+            <a:schemeClr val="accent1">
+              <a:shade val="50000"/>
+            </a:schemeClr>
+          </a:lnRef>
+          <a:fillRef idx="1">
+            <a:schemeClr val="accent1"/>
+          </a:fillRef>
+          <a:effectRef idx="0">
+            <a:schemeClr val="accent1"/>
+          </a:effectRef>
+          <a:fontRef idx="minor">
+            <a:schemeClr val="lt1"/>
+          </a:fontRef>
+        </p:style>
+        <p:txBody>
+          <a:bodyPr rtlCol="0" anchor="ctr"/>
+          <a:lstStyle/>
+          <a:p>
+            <a:pPr algn="ctr"/>
+            <a:r>
+              <a:rPr lang="en-US" sz="2000" dirty="0">
+                <a:solidFill>
+                  <a:schemeClr val="tx1"/>
+                </a:solidFill>
+              </a:rPr>
+              <a:t>Express</a:t>
+            </a:r>
+          </a:p>
+          <a:p>
+            <a:pPr algn="ctr"/>
+            <a:r>
+              <a:rPr lang="en-US" sz="2000" dirty="0" err="1">
+                <a:solidFill>
+                  <a:schemeClr val="tx1"/>
+                </a:solidFill>
+              </a:rPr>
+              <a:t>RestAPI</a:t>
+            </a:r>
+            <a:endParaRPr lang="en-US" dirty="0">
+              <a:solidFill>
+                <a:schemeClr val="tx1"/>
+              </a:solidFill>
+            </a:endParaRPr>
+          </a:p>
+        </p:txBody>
+      </p:sp>
+      <p:sp>
+        <p:nvSpPr>
+          <p:cNvPr id="6" name="Rectangle 5">
+            <a:extLst>
+              <a:ext uri="{FF2B5EF4-FFF2-40B4-BE49-F238E27FC236}">
+                <a16:creationId xmlns:a16="http://schemas.microsoft.com/office/drawing/2014/main" id="{5EAB605D-B095-954D-AFB9-E6398227EB3E}"/>
+              </a:ext>
+            </a:extLst>
+          </p:cNvPr>
+          <p:cNvSpPr/>
+          <p:nvPr/>
+        </p:nvSpPr>
+        <p:spPr>
+          <a:xfrm>
+            <a:off x="4654252" y="2692573"/>
+            <a:ext cx="1683692" cy="2149994"/>
+          </a:xfrm>
+          <a:prstGeom prst="rect">
+            <a:avLst/>
+          </a:prstGeom>
+          <a:noFill/>
+          <a:ln>
+            <a:solidFill>
+              <a:schemeClr val="tx1"/>
+            </a:solidFill>
+          </a:ln>
+        </p:spPr>
+        <p:style>
+          <a:lnRef idx="2">
+            <a:schemeClr val="accent1">
+              <a:shade val="50000"/>
+            </a:schemeClr>
+          </a:lnRef>
+          <a:fillRef idx="1">
+            <a:schemeClr val="accent1"/>
+          </a:fillRef>
+          <a:effectRef idx="0">
+            <a:schemeClr val="accent1"/>
+          </a:effectRef>
+          <a:fontRef idx="minor">
+            <a:schemeClr val="lt1"/>
+          </a:fontRef>
+        </p:style>
+        <p:txBody>
+          <a:bodyPr rtlCol="0" anchor="ctr"/>
+          <a:lstStyle/>
+          <a:p>
+            <a:pPr algn="ctr"/>
+            <a:r>
+              <a:rPr lang="en-US" sz="2000" dirty="0">
+                <a:solidFill>
+                  <a:schemeClr val="tx1"/>
+                </a:solidFill>
+              </a:rPr>
+              <a:t>Node.js files</a:t>
+            </a:r>
+            <a:endParaRPr lang="en-US" sz="1400" dirty="0">
+              <a:solidFill>
+                <a:schemeClr val="tx1"/>
+              </a:solidFill>
+            </a:endParaRPr>
+          </a:p>
+        </p:txBody>
+      </p:sp>
+      <p:sp>
+        <p:nvSpPr>
+          <p:cNvPr id="7" name="Rectangle 6">
+            <a:extLst>
+              <a:ext uri="{FF2B5EF4-FFF2-40B4-BE49-F238E27FC236}">
+                <a16:creationId xmlns:a16="http://schemas.microsoft.com/office/drawing/2014/main" id="{8BD83CBD-FFE1-C544-9476-ECA22085CFE1}"/>
+              </a:ext>
+            </a:extLst>
+          </p:cNvPr>
+          <p:cNvSpPr/>
+          <p:nvPr/>
+        </p:nvSpPr>
+        <p:spPr>
+          <a:xfrm>
+            <a:off x="6525254" y="2692573"/>
+            <a:ext cx="1361868" cy="2149994"/>
+          </a:xfrm>
+          <a:prstGeom prst="rect">
+            <a:avLst/>
+          </a:prstGeom>
+          <a:noFill/>
+          <a:ln>
+            <a:solidFill>
+              <a:schemeClr val="tx1"/>
+            </a:solidFill>
+            <a:prstDash val="dashDot"/>
+          </a:ln>
+        </p:spPr>
+        <p:style>
+          <a:lnRef idx="2">
+            <a:schemeClr val="accent1">
+              <a:shade val="50000"/>
+            </a:schemeClr>
+          </a:lnRef>
+          <a:fillRef idx="1">
+            <a:schemeClr val="accent1"/>
+          </a:fillRef>
+          <a:effectRef idx="0">
+            <a:schemeClr val="accent1"/>
+          </a:effectRef>
+          <a:fontRef idx="minor">
+            <a:schemeClr val="lt1"/>
+          </a:fontRef>
+        </p:style>
+        <p:txBody>
+          <a:bodyPr vert="vert270" rtlCol="0" anchor="ctr"/>
+          <a:lstStyle/>
+          <a:p>
+            <a:pPr algn="ctr"/>
+            <a:r>
+              <a:rPr lang="en-US" sz="2000" dirty="0" err="1">
+                <a:solidFill>
+                  <a:schemeClr val="tx1"/>
+                </a:solidFill>
+              </a:rPr>
+              <a:t>Sequelize</a:t>
+            </a:r>
+            <a:r>
+              <a:rPr lang="en-US" sz="2000" dirty="0">
+                <a:solidFill>
+                  <a:schemeClr val="tx1"/>
+                </a:solidFill>
+              </a:rPr>
+              <a:t> ORM</a:t>
+            </a:r>
+            <a:endParaRPr lang="en-US" dirty="0">
+              <a:solidFill>
+                <a:schemeClr val="tx1"/>
+              </a:solidFill>
+            </a:endParaRPr>
+          </a:p>
+        </p:txBody>
+      </p:sp>
+      <p:sp>
+        <p:nvSpPr>
+          <p:cNvPr id="8" name="Rounded Rectangle 7">
+            <a:extLst>
+              <a:ext uri="{FF2B5EF4-FFF2-40B4-BE49-F238E27FC236}">
+                <a16:creationId xmlns:a16="http://schemas.microsoft.com/office/drawing/2014/main" id="{39833A3E-250C-564E-BC34-6A4B8BFA59E8}"/>
+              </a:ext>
+            </a:extLst>
+          </p:cNvPr>
+          <p:cNvSpPr/>
+          <p:nvPr/>
+        </p:nvSpPr>
+        <p:spPr>
+          <a:xfrm>
+            <a:off x="2494012" y="1900484"/>
+            <a:ext cx="6048672" cy="3312368"/>
+          </a:xfrm>
+          <a:prstGeom prst="roundRect">
+            <a:avLst/>
+          </a:prstGeom>
+          <a:noFill/>
+          <a:ln>
+            <a:solidFill>
+              <a:schemeClr val="accent2"/>
+            </a:solidFill>
+          </a:ln>
+        </p:spPr>
+        <p:style>
+          <a:lnRef idx="2">
+            <a:schemeClr val="accent1">
+              <a:shade val="50000"/>
+            </a:schemeClr>
+          </a:lnRef>
+          <a:fillRef idx="1">
+            <a:schemeClr val="accent1"/>
+          </a:fillRef>
+          <a:effectRef idx="0">
+            <a:schemeClr val="accent1"/>
+          </a:effectRef>
+          <a:fontRef idx="minor">
+            <a:schemeClr val="lt1"/>
+          </a:fontRef>
+        </p:style>
+        <p:txBody>
+          <a:bodyPr rtlCol="0" anchor="ctr"/>
+          <a:lstStyle/>
+          <a:p>
+            <a:pPr algn="ctr"/>
+            <a:endParaRPr lang="en-US"/>
+          </a:p>
+        </p:txBody>
+      </p:sp>
+      <p:sp>
+        <p:nvSpPr>
+          <p:cNvPr id="16" name="Right Arrow 15">
+            <a:extLst>
+              <a:ext uri="{FF2B5EF4-FFF2-40B4-BE49-F238E27FC236}">
+                <a16:creationId xmlns:a16="http://schemas.microsoft.com/office/drawing/2014/main" id="{C5B62C07-7E18-BB47-9D28-872BA603A896}"/>
+              </a:ext>
+            </a:extLst>
+          </p:cNvPr>
+          <p:cNvSpPr/>
+          <p:nvPr/>
+        </p:nvSpPr>
+        <p:spPr>
+          <a:xfrm>
+            <a:off x="621804" y="3171118"/>
+            <a:ext cx="2376264" cy="366143"/>
+          </a:xfrm>
+          <a:prstGeom prst="rightArrow">
+            <a:avLst/>
+          </a:prstGeom>
+        </p:spPr>
+        <p:style>
+          <a:lnRef idx="2">
+            <a:schemeClr val="accent1">
+              <a:shade val="50000"/>
+            </a:schemeClr>
+          </a:lnRef>
+          <a:fillRef idx="1">
+            <a:schemeClr val="accent1"/>
+          </a:fillRef>
+          <a:effectRef idx="0">
+            <a:schemeClr val="accent1"/>
+          </a:effectRef>
+          <a:fontRef idx="minor">
+            <a:schemeClr val="lt1"/>
+          </a:fontRef>
+        </p:style>
+        <p:txBody>
+          <a:bodyPr rtlCol="0" anchor="ctr"/>
+          <a:lstStyle/>
+          <a:p>
+            <a:pPr algn="ctr"/>
+            <a:endParaRPr lang="en-US"/>
+          </a:p>
+        </p:txBody>
+      </p:sp>
+      <p:sp>
+        <p:nvSpPr>
+          <p:cNvPr id="19" name="Right Arrow 18">
+            <a:extLst>
+              <a:ext uri="{FF2B5EF4-FFF2-40B4-BE49-F238E27FC236}">
+                <a16:creationId xmlns:a16="http://schemas.microsoft.com/office/drawing/2014/main" id="{97E1809F-6D4B-D648-BBC9-30FEF2CC5D47}"/>
+              </a:ext>
+            </a:extLst>
+          </p:cNvPr>
+          <p:cNvSpPr/>
+          <p:nvPr/>
+        </p:nvSpPr>
+        <p:spPr>
+          <a:xfrm rot="10800000">
+            <a:off x="621804" y="3722150"/>
+            <a:ext cx="2376264" cy="366143"/>
+          </a:xfrm>
+          <a:prstGeom prst="rightArrow">
+            <a:avLst/>
+          </a:prstGeom>
+        </p:spPr>
+        <p:style>
+          <a:lnRef idx="2">
+            <a:schemeClr val="accent1">
+              <a:shade val="50000"/>
+            </a:schemeClr>
+          </a:lnRef>
+          <a:fillRef idx="1">
+            <a:schemeClr val="accent1"/>
+          </a:fillRef>
+          <a:effectRef idx="0">
+            <a:schemeClr val="accent1"/>
+          </a:effectRef>
+          <a:fontRef idx="minor">
+            <a:schemeClr val="lt1"/>
+          </a:fontRef>
+        </p:style>
+        <p:txBody>
+          <a:bodyPr rtlCol="0" anchor="ctr"/>
+          <a:lstStyle/>
+          <a:p>
+            <a:pPr algn="ctr"/>
+            <a:endParaRPr lang="en-US"/>
+          </a:p>
+        </p:txBody>
+      </p:sp>
+      <p:sp>
+        <p:nvSpPr>
+          <p:cNvPr id="24" name="TextBox 23">
+            <a:extLst>
+              <a:ext uri="{FF2B5EF4-FFF2-40B4-BE49-F238E27FC236}">
+                <a16:creationId xmlns:a16="http://schemas.microsoft.com/office/drawing/2014/main" id="{E02F0A71-7A29-1B41-8E3D-DD5AC7E06968}"/>
+              </a:ext>
+            </a:extLst>
+          </p:cNvPr>
+          <p:cNvSpPr txBox="1"/>
+          <p:nvPr/>
+        </p:nvSpPr>
+        <p:spPr>
+          <a:xfrm>
+            <a:off x="935637" y="3451165"/>
+            <a:ext cx="1102931" cy="338554"/>
+          </a:xfrm>
+          <a:prstGeom prst="rect">
+            <a:avLst/>
+          </a:prstGeom>
+          <a:noFill/>
+        </p:spPr>
+        <p:txBody>
+          <a:bodyPr wrap="none" rtlCol="0">
+            <a:spAutoFit/>
+          </a:bodyPr>
+          <a:lstStyle/>
+          <a:p>
+            <a:r>
+              <a:rPr lang="en-US" sz="1600" dirty="0">
+                <a:solidFill>
+                  <a:schemeClr val="accent4">
+                    <a:lumMod val="75000"/>
+                  </a:schemeClr>
+                </a:solidFill>
+              </a:rPr>
+              <a:t>Users data</a:t>
+            </a:r>
+            <a:endParaRPr lang="en-US" dirty="0">
+              <a:solidFill>
+                <a:schemeClr val="accent4">
+                  <a:lumMod val="75000"/>
+                </a:schemeClr>
+              </a:solidFill>
+            </a:endParaRPr>
+          </a:p>
+        </p:txBody>
+      </p:sp>
+      <p:sp>
+        <p:nvSpPr>
+          <p:cNvPr id="25" name="TextBox 24">
+            <a:extLst>
+              <a:ext uri="{FF2B5EF4-FFF2-40B4-BE49-F238E27FC236}">
+                <a16:creationId xmlns:a16="http://schemas.microsoft.com/office/drawing/2014/main" id="{DD0A4822-DF8A-1644-8F84-326E953FF1D3}"/>
+              </a:ext>
+            </a:extLst>
+          </p:cNvPr>
+          <p:cNvSpPr txBox="1"/>
+          <p:nvPr/>
+        </p:nvSpPr>
+        <p:spPr>
+          <a:xfrm>
+            <a:off x="4850545" y="1222795"/>
+            <a:ext cx="2873351" cy="461665"/>
+          </a:xfrm>
+          <a:prstGeom prst="rect">
+            <a:avLst/>
+          </a:prstGeom>
+          <a:noFill/>
+        </p:spPr>
+        <p:txBody>
+          <a:bodyPr wrap="none" rtlCol="0">
+            <a:spAutoFit/>
+          </a:bodyPr>
+          <a:lstStyle/>
+          <a:p>
+            <a:r>
+              <a:rPr lang="en-US" dirty="0"/>
+              <a:t>Server side - Node.js</a:t>
+            </a:r>
+          </a:p>
+        </p:txBody>
+      </p:sp>
+      <p:sp>
+        <p:nvSpPr>
+          <p:cNvPr id="3" name="Rectangle 2">
+            <a:extLst>
+              <a:ext uri="{FF2B5EF4-FFF2-40B4-BE49-F238E27FC236}">
+                <a16:creationId xmlns:a16="http://schemas.microsoft.com/office/drawing/2014/main" id="{35C1112F-46E5-6F4D-A864-9D3EC8681AD9}"/>
+              </a:ext>
+            </a:extLst>
+          </p:cNvPr>
+          <p:cNvSpPr/>
+          <p:nvPr/>
+        </p:nvSpPr>
+        <p:spPr>
+          <a:xfrm>
+            <a:off x="2854052" y="2476548"/>
+            <a:ext cx="5328592" cy="2520280"/>
+          </a:xfrm>
+          <a:prstGeom prst="rect">
+            <a:avLst/>
+          </a:prstGeom>
+          <a:noFill/>
+          <a:ln>
+            <a:solidFill>
+              <a:schemeClr val="tx1"/>
+            </a:solidFill>
+          </a:ln>
+        </p:spPr>
+        <p:style>
+          <a:lnRef idx="2">
+            <a:schemeClr val="accent1">
+              <a:shade val="50000"/>
+            </a:schemeClr>
+          </a:lnRef>
+          <a:fillRef idx="1">
+            <a:schemeClr val="accent1"/>
+          </a:fillRef>
+          <a:effectRef idx="0">
+            <a:schemeClr val="accent1"/>
+          </a:effectRef>
+          <a:fontRef idx="minor">
+            <a:schemeClr val="lt1"/>
+          </a:fontRef>
+        </p:style>
+        <p:txBody>
+          <a:bodyPr rtlCol="0" anchor="ctr"/>
+          <a:lstStyle/>
+          <a:p>
+            <a:pPr algn="ctr"/>
+            <a:endParaRPr lang="en-US"/>
+          </a:p>
+        </p:txBody>
+      </p:sp>
+      <p:sp>
+        <p:nvSpPr>
+          <p:cNvPr id="26" name="TextBox 25">
+            <a:extLst>
+              <a:ext uri="{FF2B5EF4-FFF2-40B4-BE49-F238E27FC236}">
+                <a16:creationId xmlns:a16="http://schemas.microsoft.com/office/drawing/2014/main" id="{ED0A4DF7-026C-8345-9881-72E20C40C889}"/>
+              </a:ext>
+            </a:extLst>
+          </p:cNvPr>
+          <p:cNvSpPr txBox="1"/>
+          <p:nvPr/>
+        </p:nvSpPr>
+        <p:spPr>
+          <a:xfrm>
+            <a:off x="9705135" y="2940285"/>
+            <a:ext cx="1182055" cy="461665"/>
+          </a:xfrm>
+          <a:prstGeom prst="rect">
+            <a:avLst/>
+          </a:prstGeom>
+          <a:noFill/>
+        </p:spPr>
+        <p:txBody>
+          <a:bodyPr wrap="none" rtlCol="0">
+            <a:spAutoFit/>
+          </a:bodyPr>
+          <a:lstStyle/>
+          <a:p>
+            <a:r>
+              <a:rPr lang="en-US" dirty="0"/>
+              <a:t>MySQL</a:t>
+            </a:r>
+          </a:p>
+        </p:txBody>
+      </p:sp>
+      <p:sp>
+        <p:nvSpPr>
+          <p:cNvPr id="27" name="Rectangle 26">
+            <a:extLst>
+              <a:ext uri="{FF2B5EF4-FFF2-40B4-BE49-F238E27FC236}">
+                <a16:creationId xmlns:a16="http://schemas.microsoft.com/office/drawing/2014/main" id="{11201A0D-3103-A540-AD30-C1F1750F5867}"/>
+              </a:ext>
+            </a:extLst>
+          </p:cNvPr>
+          <p:cNvSpPr/>
+          <p:nvPr/>
+        </p:nvSpPr>
+        <p:spPr>
+          <a:xfrm>
+            <a:off x="9387824" y="2714722"/>
+            <a:ext cx="1683692" cy="2149994"/>
+          </a:xfrm>
+          <a:prstGeom prst="rect">
+            <a:avLst/>
+          </a:prstGeom>
+          <a:noFill/>
+          <a:ln>
+            <a:solidFill>
+              <a:schemeClr val="tx1"/>
+            </a:solidFill>
+          </a:ln>
+        </p:spPr>
+        <p:style>
+          <a:lnRef idx="2">
+            <a:schemeClr val="accent1">
+              <a:shade val="50000"/>
+            </a:schemeClr>
+          </a:lnRef>
+          <a:fillRef idx="1">
+            <a:schemeClr val="accent1"/>
+          </a:fillRef>
+          <a:effectRef idx="0">
+            <a:schemeClr val="accent1"/>
+          </a:effectRef>
+          <a:fontRef idx="minor">
+            <a:schemeClr val="lt1"/>
+          </a:fontRef>
+        </p:style>
+        <p:txBody>
+          <a:bodyPr rtlCol="0" anchor="ctr"/>
+          <a:lstStyle/>
+          <a:p>
+            <a:pPr algn="ctr"/>
+            <a:endParaRPr lang="en-US" sz="1400" dirty="0">
+              <a:solidFill>
+                <a:schemeClr val="tx1"/>
+              </a:solidFill>
+            </a:endParaRPr>
+          </a:p>
+        </p:txBody>
+      </p:sp>
+      <p:sp>
+        <p:nvSpPr>
+          <p:cNvPr id="28" name="Right Arrow 27">
+            <a:extLst>
+              <a:ext uri="{FF2B5EF4-FFF2-40B4-BE49-F238E27FC236}">
+                <a16:creationId xmlns:a16="http://schemas.microsoft.com/office/drawing/2014/main" id="{CC0D524E-2EF3-2443-9FEE-9C898D9409B0}"/>
+              </a:ext>
+            </a:extLst>
+          </p:cNvPr>
+          <p:cNvSpPr/>
+          <p:nvPr/>
+        </p:nvSpPr>
+        <p:spPr>
+          <a:xfrm>
+            <a:off x="7887122" y="3354189"/>
+            <a:ext cx="1483654" cy="366143"/>
+          </a:xfrm>
+          <a:prstGeom prst="rightArrow">
+            <a:avLst/>
+          </a:prstGeom>
+        </p:spPr>
+        <p:style>
+          <a:lnRef idx="2">
+            <a:schemeClr val="accent1">
+              <a:shade val="50000"/>
+            </a:schemeClr>
+          </a:lnRef>
+          <a:fillRef idx="1">
+            <a:schemeClr val="accent1"/>
+          </a:fillRef>
+          <a:effectRef idx="0">
+            <a:schemeClr val="accent1"/>
+          </a:effectRef>
+          <a:fontRef idx="minor">
+            <a:schemeClr val="lt1"/>
+          </a:fontRef>
+        </p:style>
+        <p:txBody>
+          <a:bodyPr rtlCol="0" anchor="ctr"/>
+          <a:lstStyle/>
+          <a:p>
+            <a:pPr algn="ctr"/>
+            <a:endParaRPr lang="en-US"/>
+          </a:p>
+        </p:txBody>
+      </p:sp>
+      <p:sp>
+        <p:nvSpPr>
+          <p:cNvPr id="29" name="Right Arrow 28">
+            <a:extLst>
+              <a:ext uri="{FF2B5EF4-FFF2-40B4-BE49-F238E27FC236}">
+                <a16:creationId xmlns:a16="http://schemas.microsoft.com/office/drawing/2014/main" id="{F86557E5-DC90-0F4F-B4C5-C446C3B14D3D}"/>
+              </a:ext>
+            </a:extLst>
+          </p:cNvPr>
+          <p:cNvSpPr/>
+          <p:nvPr/>
+        </p:nvSpPr>
+        <p:spPr>
+          <a:xfrm rot="10800000">
+            <a:off x="7887122" y="3905220"/>
+            <a:ext cx="1483654" cy="366143"/>
+          </a:xfrm>
+          <a:prstGeom prst="rightArrow">
+            <a:avLst/>
+          </a:prstGeom>
+        </p:spPr>
+        <p:style>
+          <a:lnRef idx="2">
+            <a:schemeClr val="accent1">
+              <a:shade val="50000"/>
+            </a:schemeClr>
+          </a:lnRef>
+          <a:fillRef idx="1">
+            <a:schemeClr val="accent1"/>
+          </a:fillRef>
+          <a:effectRef idx="0">
+            <a:schemeClr val="accent1"/>
+          </a:effectRef>
+          <a:fontRef idx="minor">
+            <a:schemeClr val="lt1"/>
+          </a:fontRef>
+        </p:style>
+        <p:txBody>
+          <a:bodyPr rtlCol="0" anchor="ctr"/>
+          <a:lstStyle/>
+          <a:p>
+            <a:pPr algn="ctr"/>
+            <a:endParaRPr lang="en-US"/>
+          </a:p>
+        </p:txBody>
+      </p:sp>
+      <p:sp>
+        <p:nvSpPr>
+          <p:cNvPr id="30" name="TextBox 29">
+            <a:extLst>
+              <a:ext uri="{FF2B5EF4-FFF2-40B4-BE49-F238E27FC236}">
+                <a16:creationId xmlns:a16="http://schemas.microsoft.com/office/drawing/2014/main" id="{55D5591E-2B2C-254B-BD87-87D4D88B8AAF}"/>
+              </a:ext>
+            </a:extLst>
+          </p:cNvPr>
+          <p:cNvSpPr txBox="1"/>
+          <p:nvPr/>
+        </p:nvSpPr>
+        <p:spPr>
+          <a:xfrm>
+            <a:off x="9622667" y="3962972"/>
+            <a:ext cx="1097865" cy="461665"/>
+          </a:xfrm>
+          <a:prstGeom prst="rect">
+            <a:avLst/>
+          </a:prstGeom>
+          <a:noFill/>
+        </p:spPr>
+        <p:txBody>
+          <a:bodyPr wrap="none" rtlCol="0">
+            <a:spAutoFit/>
+          </a:bodyPr>
+          <a:lstStyle/>
+          <a:p>
+            <a:r>
+              <a:rPr lang="en-US" dirty="0"/>
+              <a:t>TABLE</a:t>
+            </a:r>
+          </a:p>
+        </p:txBody>
+      </p:sp>
+      <p:sp>
+        <p:nvSpPr>
+          <p:cNvPr id="9" name="Rectangle 8">
+            <a:extLst>
+              <a:ext uri="{FF2B5EF4-FFF2-40B4-BE49-F238E27FC236}">
+                <a16:creationId xmlns:a16="http://schemas.microsoft.com/office/drawing/2014/main" id="{1029D7FA-5532-FC45-9B6E-9E4A8253A508}"/>
+              </a:ext>
+            </a:extLst>
+          </p:cNvPr>
+          <p:cNvSpPr/>
+          <p:nvPr/>
+        </p:nvSpPr>
+        <p:spPr>
+          <a:xfrm>
+            <a:off x="9622667" y="3905220"/>
+            <a:ext cx="1347276" cy="687228"/>
+          </a:xfrm>
+          <a:prstGeom prst="rect">
+            <a:avLst/>
+          </a:prstGeom>
+          <a:noFill/>
+          <a:ln>
+            <a:solidFill>
+              <a:schemeClr val="tx1"/>
+            </a:solidFill>
+          </a:ln>
+        </p:spPr>
+        <p:style>
+          <a:lnRef idx="2">
+            <a:schemeClr val="accent1">
+              <a:shade val="50000"/>
+            </a:schemeClr>
+          </a:lnRef>
+          <a:fillRef idx="1">
+            <a:schemeClr val="accent1"/>
+          </a:fillRef>
+          <a:effectRef idx="0">
+            <a:schemeClr val="accent1"/>
+          </a:effectRef>
+          <a:fontRef idx="minor">
+            <a:schemeClr val="lt1"/>
+          </a:fontRef>
+        </p:style>
+        <p:txBody>
+          <a:bodyPr rtlCol="0" anchor="ctr"/>
+          <a:lstStyle/>
+          <a:p>
+            <a:pPr algn="ctr"/>
+            <a:endParaRPr lang="en-US"/>
+          </a:p>
+        </p:txBody>
+      </p:sp>
+      <p:sp>
+        <p:nvSpPr>
+          <p:cNvPr id="31" name="TextBox 30">
+            <a:extLst>
+              <a:ext uri="{FF2B5EF4-FFF2-40B4-BE49-F238E27FC236}">
+                <a16:creationId xmlns:a16="http://schemas.microsoft.com/office/drawing/2014/main" id="{0FA02767-68BF-7644-9FBA-48B52023A590}"/>
+              </a:ext>
+            </a:extLst>
+          </p:cNvPr>
+          <p:cNvSpPr txBox="1"/>
+          <p:nvPr/>
+        </p:nvSpPr>
+        <p:spPr>
+          <a:xfrm>
+            <a:off x="10312759" y="4314582"/>
+            <a:ext cx="675954" cy="338554"/>
+          </a:xfrm>
+          <a:prstGeom prst="rect">
+            <a:avLst/>
+          </a:prstGeom>
+          <a:noFill/>
+        </p:spPr>
+        <p:txBody>
+          <a:bodyPr wrap="none" rtlCol="0">
+            <a:spAutoFit/>
+          </a:bodyPr>
+          <a:lstStyle/>
+          <a:p>
+            <a:r>
+              <a:rPr lang="en-US" sz="1600" dirty="0">
+                <a:solidFill>
+                  <a:schemeClr val="accent4">
+                    <a:lumMod val="75000"/>
+                  </a:schemeClr>
+                </a:solidFill>
+              </a:rPr>
+              <a:t>Users</a:t>
+            </a:r>
+            <a:endParaRPr lang="en-US" dirty="0">
+              <a:solidFill>
+                <a:schemeClr val="accent4">
+                  <a:lumMod val="75000"/>
+                </a:schemeClr>
+              </a:solidFill>
+            </a:endParaRPr>
+          </a:p>
+        </p:txBody>
+      </p:sp>
+      <p:sp>
+        <p:nvSpPr>
+          <p:cNvPr id="32" name="TextBox 31">
+            <a:extLst>
+              <a:ext uri="{FF2B5EF4-FFF2-40B4-BE49-F238E27FC236}">
+                <a16:creationId xmlns:a16="http://schemas.microsoft.com/office/drawing/2014/main" id="{408FB0A3-E2BD-2940-92F2-86D1A8BB06A2}"/>
+              </a:ext>
+            </a:extLst>
+          </p:cNvPr>
+          <p:cNvSpPr txBox="1"/>
+          <p:nvPr/>
+        </p:nvSpPr>
+        <p:spPr>
+          <a:xfrm>
+            <a:off x="9929748" y="2150656"/>
+            <a:ext cx="599844" cy="461665"/>
+          </a:xfrm>
+          <a:prstGeom prst="rect">
+            <a:avLst/>
+          </a:prstGeom>
+          <a:noFill/>
+        </p:spPr>
+        <p:txBody>
+          <a:bodyPr wrap="none" rtlCol="0">
+            <a:spAutoFit/>
+          </a:bodyPr>
+          <a:lstStyle/>
+          <a:p>
+            <a:r>
+              <a:rPr lang="en-US" dirty="0"/>
+              <a:t>DB</a:t>
+            </a:r>
+          </a:p>
+        </p:txBody>
+      </p:sp>
+      <p:sp>
+        <p:nvSpPr>
+          <p:cNvPr id="33" name="TextBox 32">
+            <a:extLst>
+              <a:ext uri="{FF2B5EF4-FFF2-40B4-BE49-F238E27FC236}">
+                <a16:creationId xmlns:a16="http://schemas.microsoft.com/office/drawing/2014/main" id="{71E9B35D-A51E-6141-BF8C-6183B7ABDF4A}"/>
+              </a:ext>
+            </a:extLst>
+          </p:cNvPr>
+          <p:cNvSpPr txBox="1"/>
+          <p:nvPr/>
+        </p:nvSpPr>
+        <p:spPr>
+          <a:xfrm>
+            <a:off x="5511392" y="4283233"/>
+            <a:ext cx="675954" cy="338554"/>
+          </a:xfrm>
+          <a:prstGeom prst="rect">
+            <a:avLst/>
+          </a:prstGeom>
+          <a:noFill/>
+        </p:spPr>
+        <p:txBody>
+          <a:bodyPr wrap="none" rtlCol="0">
+            <a:spAutoFit/>
+          </a:bodyPr>
+          <a:lstStyle/>
+          <a:p>
+            <a:r>
+              <a:rPr lang="en-US" sz="1600" dirty="0">
+                <a:solidFill>
+                  <a:schemeClr val="accent4">
+                    <a:lumMod val="75000"/>
+                  </a:schemeClr>
+                </a:solidFill>
+              </a:rPr>
+              <a:t>Users</a:t>
+            </a:r>
+            <a:endParaRPr lang="en-US" dirty="0">
+              <a:solidFill>
+                <a:schemeClr val="accent4">
+                  <a:lumMod val="75000"/>
+                </a:schemeClr>
+              </a:solidFill>
+            </a:endParaRPr>
+          </a:p>
+        </p:txBody>
+      </p:sp>
+      <p:sp>
+        <p:nvSpPr>
+          <p:cNvPr id="34" name="TextBox 33">
+            <a:extLst>
+              <a:ext uri="{FF2B5EF4-FFF2-40B4-BE49-F238E27FC236}">
+                <a16:creationId xmlns:a16="http://schemas.microsoft.com/office/drawing/2014/main" id="{9F123ECC-BAFA-A642-AB72-E0970D46BEA2}"/>
+              </a:ext>
+            </a:extLst>
+          </p:cNvPr>
+          <p:cNvSpPr txBox="1"/>
+          <p:nvPr/>
+        </p:nvSpPr>
+        <p:spPr>
+          <a:xfrm>
+            <a:off x="858829" y="2859990"/>
+            <a:ext cx="1414875" cy="400110"/>
+          </a:xfrm>
+          <a:prstGeom prst="rect">
+            <a:avLst/>
+          </a:prstGeom>
+          <a:noFill/>
+        </p:spPr>
+        <p:txBody>
+          <a:bodyPr wrap="none" rtlCol="0">
+            <a:spAutoFit/>
+          </a:bodyPr>
+          <a:lstStyle/>
+          <a:p>
+            <a:r>
+              <a:rPr lang="en-US" sz="2000" dirty="0"/>
+              <a:t>POST/GET</a:t>
+            </a:r>
+          </a:p>
+        </p:txBody>
+      </p:sp>
+      <p:sp>
+        <p:nvSpPr>
+          <p:cNvPr id="35" name="TextBox 34">
+            <a:extLst>
+              <a:ext uri="{FF2B5EF4-FFF2-40B4-BE49-F238E27FC236}">
+                <a16:creationId xmlns:a16="http://schemas.microsoft.com/office/drawing/2014/main" id="{6A64639A-3E27-6B4C-BF4A-3F39E51E32B6}"/>
+              </a:ext>
+            </a:extLst>
+          </p:cNvPr>
+          <p:cNvSpPr txBox="1"/>
+          <p:nvPr/>
+        </p:nvSpPr>
+        <p:spPr>
+          <a:xfrm>
+            <a:off x="867232" y="3993749"/>
+            <a:ext cx="1229247" cy="400110"/>
+          </a:xfrm>
+          <a:prstGeom prst="rect">
+            <a:avLst/>
+          </a:prstGeom>
+          <a:noFill/>
+        </p:spPr>
+        <p:txBody>
+          <a:bodyPr wrap="none" rtlCol="0">
+            <a:spAutoFit/>
+          </a:bodyPr>
+          <a:lstStyle/>
+          <a:p>
+            <a:r>
+              <a:rPr lang="en-US" sz="2000" dirty="0"/>
+              <a:t>Response</a:t>
+            </a:r>
+          </a:p>
+        </p:txBody>
+      </p:sp>
+      <p:pic>
+        <p:nvPicPr>
+          <p:cNvPr id="36" name="Picture 35">
+            <a:extLst>
+              <a:ext uri="{FF2B5EF4-FFF2-40B4-BE49-F238E27FC236}">
+                <a16:creationId xmlns:a16="http://schemas.microsoft.com/office/drawing/2014/main" id="{360B17A8-D738-B64C-B41E-00ABBEFD6616}"/>
+              </a:ext>
+            </a:extLst>
+          </p:cNvPr>
+          <p:cNvPicPr>
+            <a:picLocks noChangeAspect="1"/>
+          </p:cNvPicPr>
+          <p:nvPr/>
+        </p:nvPicPr>
+        <p:blipFill>
+          <a:blip r:embed="rId2"/>
+          <a:stretch>
+            <a:fillRect/>
+          </a:stretch>
+        </p:blipFill>
+        <p:spPr>
+          <a:xfrm>
+            <a:off x="11245785" y="686056"/>
+            <a:ext cx="641831" cy="998404"/>
+          </a:xfrm>
+          <a:prstGeom prst="rect">
+            <a:avLst/>
+          </a:prstGeom>
+        </p:spPr>
+      </p:pic>
+      <p:sp>
+        <p:nvSpPr>
+          <p:cNvPr id="37" name="TextBox 36">
+            <a:extLst>
+              <a:ext uri="{FF2B5EF4-FFF2-40B4-BE49-F238E27FC236}">
+                <a16:creationId xmlns:a16="http://schemas.microsoft.com/office/drawing/2014/main" id="{3FFB239A-B4BE-E040-BE63-508741B5D35B}"/>
+              </a:ext>
+            </a:extLst>
+          </p:cNvPr>
+          <p:cNvSpPr txBox="1"/>
+          <p:nvPr/>
+        </p:nvSpPr>
+        <p:spPr>
+          <a:xfrm>
+            <a:off x="11160003" y="1992353"/>
+            <a:ext cx="857222" cy="461665"/>
+          </a:xfrm>
+          <a:prstGeom prst="rect">
+            <a:avLst/>
+          </a:prstGeom>
+          <a:noFill/>
+        </p:spPr>
+        <p:txBody>
+          <a:bodyPr wrap="none" rtlCol="0">
+            <a:spAutoFit/>
+          </a:bodyPr>
+          <a:lstStyle/>
+          <a:p>
+            <a:r>
+              <a:rPr lang="en-US" dirty="0"/>
+              <a:t>MVC</a:t>
+            </a:r>
+          </a:p>
+        </p:txBody>
+      </p:sp>
+    </p:spTree>
+    <p:extLst>
+      <p:ext uri="{BB962C8B-B14F-4D97-AF65-F5344CB8AC3E}">
+        <p14:creationId xmlns:p14="http://schemas.microsoft.com/office/powerpoint/2010/main" val="3475643945"/>
+      </p:ext>
+    </p:extLst>
+  </p:cSld>
+  <p:clrMapOvr>
+    <a:masterClrMapping/>
+  </p:clrMapOvr>
+  <mc:AlternateContent xmlns:mc="http://schemas.openxmlformats.org/markup-compatibility/2006" xmlns:p14="http://schemas.microsoft.com/office/powerpoint/2010/main">
+    <mc:Choice Requires="p14">
+      <p:transition spd="med" p14:dur="700">
+        <p:fade/>
+      </p:transition>
+    </mc:Choice>
+    <mc:Fallback xmlns="">
+      <p:transition spd="med">
+        <p:fade/>
+      </p:transition>
+    </mc:Fallback>
+  </mc:AlternateContent>
+</p:sld>
+</file>
+
+<file path=ppt/slides/slide12.xml><?xml version="1.0" encoding="utf-8"?>
+<p:sld xmlns:a="http://schemas.openxmlformats.org/drawingml/2006/main" xmlns:r="http://schemas.openxmlformats.org/officeDocument/2006/relationships" xmlns:p="http://schemas.openxmlformats.org/presentationml/2006/main">
+  <p:cSld>
+    <p:spTree>
+      <p:nvGrpSpPr>
+        <p:cNvPr id="1" name=""/>
+        <p:cNvGrpSpPr/>
+        <p:nvPr/>
+      </p:nvGrpSpPr>
+      <p:grpSpPr>
+        <a:xfrm>
+          <a:off x="0" y="0"/>
+          <a:ext cx="0" cy="0"/>
+          <a:chOff x="0" y="0"/>
+          <a:chExt cx="0" cy="0"/>
+        </a:xfrm>
+      </p:grpSpPr>
+      <p:sp>
+        <p:nvSpPr>
+          <p:cNvPr id="2" name="Title 1">
+            <a:extLst>
+              <a:ext uri="{FF2B5EF4-FFF2-40B4-BE49-F238E27FC236}">
+                <a16:creationId xmlns:a16="http://schemas.microsoft.com/office/drawing/2014/main" id="{1EEDA6DD-2E34-9044-8677-C484D465264E}"/>
+              </a:ext>
+            </a:extLst>
+          </p:cNvPr>
+          <p:cNvSpPr>
+            <a:spLocks noGrp="1"/>
+          </p:cNvSpPr>
+          <p:nvPr>
+            <p:ph type="title"/>
+          </p:nvPr>
+        </p:nvSpPr>
+        <p:spPr/>
+        <p:txBody>
+          <a:bodyPr/>
+          <a:lstStyle/>
+          <a:p>
+            <a:r>
+              <a:rPr lang="en-US" dirty="0"/>
+              <a:t>Architecture</a:t>
+            </a:r>
+          </a:p>
+        </p:txBody>
+      </p:sp>
+      <p:sp>
+        <p:nvSpPr>
+          <p:cNvPr id="4" name="Slide Number Placeholder 3">
+            <a:extLst>
+              <a:ext uri="{FF2B5EF4-FFF2-40B4-BE49-F238E27FC236}">
+                <a16:creationId xmlns:a16="http://schemas.microsoft.com/office/drawing/2014/main" id="{2079CA1E-E44F-904D-B5A3-10D287229D1E}"/>
+              </a:ext>
+            </a:extLst>
+          </p:cNvPr>
+          <p:cNvSpPr>
+            <a:spLocks noGrp="1"/>
+          </p:cNvSpPr>
+          <p:nvPr>
+            <p:ph type="sldNum" sz="quarter" idx="12"/>
+          </p:nvPr>
+        </p:nvSpPr>
+        <p:spPr/>
+        <p:txBody>
+          <a:bodyPr/>
+          <a:lstStyle/>
+          <a:p>
+            <a:fld id="{34C99D79-8A4B-4031-B1E0-AF26F8EDF2BC}" type="slidenum">
+              <a:rPr lang="en-AU" smtClean="0"/>
+              <a:t>12</a:t>
+            </a:fld>
+            <a:endParaRPr lang="en-AU"/>
+          </a:p>
+        </p:txBody>
+      </p:sp>
+      <p:sp>
+        <p:nvSpPr>
+          <p:cNvPr id="25" name="TextBox 24">
+            <a:extLst>
+              <a:ext uri="{FF2B5EF4-FFF2-40B4-BE49-F238E27FC236}">
+                <a16:creationId xmlns:a16="http://schemas.microsoft.com/office/drawing/2014/main" id="{DD0A4822-DF8A-1644-8F84-326E953FF1D3}"/>
+              </a:ext>
+            </a:extLst>
+          </p:cNvPr>
+          <p:cNvSpPr txBox="1"/>
+          <p:nvPr/>
+        </p:nvSpPr>
+        <p:spPr>
+          <a:xfrm>
+            <a:off x="4802167" y="1351460"/>
+            <a:ext cx="2584490" cy="461665"/>
+          </a:xfrm>
+          <a:prstGeom prst="rect">
+            <a:avLst/>
+          </a:prstGeom>
+          <a:noFill/>
+        </p:spPr>
+        <p:txBody>
+          <a:bodyPr wrap="none" rtlCol="0">
+            <a:spAutoFit/>
+          </a:bodyPr>
+          <a:lstStyle/>
+          <a:p>
+            <a:r>
+              <a:rPr lang="en-US" dirty="0"/>
+              <a:t>Client side - React</a:t>
+            </a:r>
+          </a:p>
+        </p:txBody>
+      </p:sp>
+      <p:pic>
+        <p:nvPicPr>
+          <p:cNvPr id="36" name="Picture 35">
+            <a:extLst>
+              <a:ext uri="{FF2B5EF4-FFF2-40B4-BE49-F238E27FC236}">
+                <a16:creationId xmlns:a16="http://schemas.microsoft.com/office/drawing/2014/main" id="{360B17A8-D738-B64C-B41E-00ABBEFD6616}"/>
+              </a:ext>
+            </a:extLst>
+          </p:cNvPr>
+          <p:cNvPicPr>
+            <a:picLocks noChangeAspect="1"/>
+          </p:cNvPicPr>
+          <p:nvPr/>
+        </p:nvPicPr>
+        <p:blipFill>
+          <a:blip r:embed="rId2"/>
+          <a:stretch>
+            <a:fillRect/>
+          </a:stretch>
+        </p:blipFill>
+        <p:spPr>
+          <a:xfrm>
+            <a:off x="11245785" y="686056"/>
+            <a:ext cx="641831" cy="998404"/>
+          </a:xfrm>
+          <a:prstGeom prst="rect">
+            <a:avLst/>
+          </a:prstGeom>
+        </p:spPr>
+      </p:pic>
+      <p:sp>
+        <p:nvSpPr>
+          <p:cNvPr id="37" name="TextBox 36">
+            <a:extLst>
+              <a:ext uri="{FF2B5EF4-FFF2-40B4-BE49-F238E27FC236}">
+                <a16:creationId xmlns:a16="http://schemas.microsoft.com/office/drawing/2014/main" id="{3FFB239A-B4BE-E040-BE63-508741B5D35B}"/>
+              </a:ext>
+            </a:extLst>
+          </p:cNvPr>
+          <p:cNvSpPr txBox="1"/>
+          <p:nvPr/>
+        </p:nvSpPr>
+        <p:spPr>
+          <a:xfrm>
+            <a:off x="11160003" y="1992353"/>
+            <a:ext cx="857222" cy="461665"/>
+          </a:xfrm>
+          <a:prstGeom prst="rect">
+            <a:avLst/>
+          </a:prstGeom>
+          <a:noFill/>
+        </p:spPr>
+        <p:txBody>
+          <a:bodyPr wrap="none" rtlCol="0">
+            <a:spAutoFit/>
+          </a:bodyPr>
+          <a:lstStyle/>
+          <a:p>
+            <a:r>
+              <a:rPr lang="en-US" dirty="0"/>
+              <a:t>MVC</a:t>
+            </a:r>
+          </a:p>
+        </p:txBody>
+      </p:sp>
+      <p:pic>
+        <p:nvPicPr>
+          <p:cNvPr id="10" name="Picture 9">
+            <a:extLst>
+              <a:ext uri="{FF2B5EF4-FFF2-40B4-BE49-F238E27FC236}">
+                <a16:creationId xmlns:a16="http://schemas.microsoft.com/office/drawing/2014/main" id="{2500428B-5290-3443-BFF2-6EB4A90536AA}"/>
+              </a:ext>
+            </a:extLst>
+          </p:cNvPr>
+          <p:cNvPicPr>
+            <a:picLocks noChangeAspect="1"/>
+          </p:cNvPicPr>
+          <p:nvPr/>
+        </p:nvPicPr>
+        <p:blipFill>
+          <a:blip r:embed="rId3"/>
+          <a:stretch>
+            <a:fillRect/>
+          </a:stretch>
+        </p:blipFill>
+        <p:spPr>
+          <a:xfrm>
+            <a:off x="1629916" y="2564904"/>
+            <a:ext cx="2376264" cy="1364746"/>
+          </a:xfrm>
+          <a:prstGeom prst="rect">
+            <a:avLst/>
+          </a:prstGeom>
+        </p:spPr>
+      </p:pic>
+      <p:pic>
+        <p:nvPicPr>
+          <p:cNvPr id="12" name="Picture 11">
+            <a:extLst>
+              <a:ext uri="{FF2B5EF4-FFF2-40B4-BE49-F238E27FC236}">
+                <a16:creationId xmlns:a16="http://schemas.microsoft.com/office/drawing/2014/main" id="{F3F1A612-B284-244F-AF99-F36490F1A73D}"/>
+              </a:ext>
+            </a:extLst>
+          </p:cNvPr>
+          <p:cNvPicPr>
+            <a:picLocks noChangeAspect="1"/>
+          </p:cNvPicPr>
+          <p:nvPr/>
+        </p:nvPicPr>
+        <p:blipFill rotWithShape="1">
+          <a:blip r:embed="rId4"/>
+          <a:srcRect l="18884" r="16929"/>
+          <a:stretch/>
+        </p:blipFill>
+        <p:spPr>
+          <a:xfrm>
+            <a:off x="4450724" y="2866615"/>
+            <a:ext cx="1296144" cy="1003300"/>
+          </a:xfrm>
+          <a:prstGeom prst="rect">
+            <a:avLst/>
+          </a:prstGeom>
+        </p:spPr>
+      </p:pic>
+      <p:pic>
+        <p:nvPicPr>
+          <p:cNvPr id="15" name="Picture 14" descr="A close up of a sign&#10;&#10;Description automatically generated">
+            <a:extLst>
+              <a:ext uri="{FF2B5EF4-FFF2-40B4-BE49-F238E27FC236}">
+                <a16:creationId xmlns:a16="http://schemas.microsoft.com/office/drawing/2014/main" id="{7CCC7F2F-E2F9-944D-B10C-681714985DF6}"/>
+              </a:ext>
+            </a:extLst>
+          </p:cNvPr>
+          <p:cNvPicPr>
+            <a:picLocks noChangeAspect="1"/>
+          </p:cNvPicPr>
+          <p:nvPr/>
+        </p:nvPicPr>
+        <p:blipFill>
+          <a:blip r:embed="rId5">
+            <a:extLst>
+              <a:ext uri="{28A0092B-C50C-407E-A947-70E740481C1C}">
+                <a14:useLocalDpi xmlns:a14="http://schemas.microsoft.com/office/drawing/2010/main" val="0"/>
+              </a:ext>
+            </a:extLst>
+          </a:blip>
+          <a:stretch>
+            <a:fillRect/>
+          </a:stretch>
+        </p:blipFill>
+        <p:spPr>
+          <a:xfrm>
+            <a:off x="6625002" y="2725439"/>
+            <a:ext cx="2584490" cy="1122770"/>
+          </a:xfrm>
+          <a:prstGeom prst="rect">
+            <a:avLst/>
+          </a:prstGeom>
+        </p:spPr>
+      </p:pic>
+      <p:sp>
+        <p:nvSpPr>
+          <p:cNvPr id="17" name="TextBox 16">
+            <a:extLst>
+              <a:ext uri="{FF2B5EF4-FFF2-40B4-BE49-F238E27FC236}">
+                <a16:creationId xmlns:a16="http://schemas.microsoft.com/office/drawing/2014/main" id="{B7BDD3B8-6E39-6845-A927-BE812956A9B7}"/>
+              </a:ext>
+            </a:extLst>
+          </p:cNvPr>
+          <p:cNvSpPr txBox="1"/>
+          <p:nvPr/>
+        </p:nvSpPr>
+        <p:spPr>
+          <a:xfrm>
+            <a:off x="3864322" y="2866615"/>
+            <a:ext cx="495649" cy="769441"/>
+          </a:xfrm>
+          <a:prstGeom prst="rect">
+            <a:avLst/>
+          </a:prstGeom>
+          <a:noFill/>
+        </p:spPr>
+        <p:txBody>
+          <a:bodyPr wrap="none" rtlCol="0">
+            <a:spAutoFit/>
+          </a:bodyPr>
+          <a:lstStyle/>
+          <a:p>
+            <a:r>
+              <a:rPr lang="en-US" sz="4400" b="1" i="1" dirty="0"/>
+              <a:t>+</a:t>
+            </a:r>
+          </a:p>
+        </p:txBody>
+      </p:sp>
+      <p:sp>
+        <p:nvSpPr>
+          <p:cNvPr id="38" name="TextBox 37">
+            <a:extLst>
+              <a:ext uri="{FF2B5EF4-FFF2-40B4-BE49-F238E27FC236}">
+                <a16:creationId xmlns:a16="http://schemas.microsoft.com/office/drawing/2014/main" id="{ACE9962D-C881-924A-892C-4BA0A4E5D11D}"/>
+              </a:ext>
+            </a:extLst>
+          </p:cNvPr>
+          <p:cNvSpPr txBox="1"/>
+          <p:nvPr/>
+        </p:nvSpPr>
+        <p:spPr>
+          <a:xfrm>
+            <a:off x="5969798" y="2862556"/>
+            <a:ext cx="495649" cy="769441"/>
+          </a:xfrm>
+          <a:prstGeom prst="rect">
+            <a:avLst/>
+          </a:prstGeom>
+          <a:noFill/>
+        </p:spPr>
+        <p:txBody>
+          <a:bodyPr wrap="none" rtlCol="0">
+            <a:spAutoFit/>
+          </a:bodyPr>
+          <a:lstStyle/>
+          <a:p>
+            <a:r>
+              <a:rPr lang="en-US" sz="4400" b="1" i="1" dirty="0"/>
+              <a:t>+</a:t>
+            </a:r>
+          </a:p>
+        </p:txBody>
+      </p:sp>
+      <p:sp>
+        <p:nvSpPr>
+          <p:cNvPr id="18" name="Rounded Rectangle 17">
+            <a:extLst>
+              <a:ext uri="{FF2B5EF4-FFF2-40B4-BE49-F238E27FC236}">
+                <a16:creationId xmlns:a16="http://schemas.microsoft.com/office/drawing/2014/main" id="{F37713B0-48F3-904E-8AB2-D8F0669CAACE}"/>
+              </a:ext>
+            </a:extLst>
+          </p:cNvPr>
+          <p:cNvSpPr/>
+          <p:nvPr/>
+        </p:nvSpPr>
+        <p:spPr>
+          <a:xfrm>
+            <a:off x="1400891" y="2257433"/>
+            <a:ext cx="8691953" cy="2343134"/>
+          </a:xfrm>
+          <a:prstGeom prst="roundRect">
+            <a:avLst/>
+          </a:prstGeom>
+          <a:noFill/>
+          <a:ln>
+            <a:solidFill>
+              <a:schemeClr val="accent2"/>
+            </a:solidFill>
+          </a:ln>
+        </p:spPr>
+        <p:style>
+          <a:lnRef idx="2">
+            <a:schemeClr val="accent1">
+              <a:shade val="50000"/>
+            </a:schemeClr>
+          </a:lnRef>
+          <a:fillRef idx="1">
+            <a:schemeClr val="accent1"/>
+          </a:fillRef>
+          <a:effectRef idx="0">
+            <a:schemeClr val="accent1"/>
+          </a:effectRef>
+          <a:fontRef idx="minor">
+            <a:schemeClr val="lt1"/>
+          </a:fontRef>
+        </p:style>
+        <p:txBody>
+          <a:bodyPr rtlCol="0" anchor="ctr"/>
+          <a:lstStyle/>
+          <a:p>
+            <a:pPr algn="ctr"/>
+            <a:endParaRPr lang="en-US"/>
+          </a:p>
+        </p:txBody>
+      </p:sp>
+    </p:spTree>
+    <p:extLst>
+      <p:ext uri="{BB962C8B-B14F-4D97-AF65-F5344CB8AC3E}">
+        <p14:creationId xmlns:p14="http://schemas.microsoft.com/office/powerpoint/2010/main" val="587535401"/>
+      </p:ext>
+    </p:extLst>
+  </p:cSld>
+  <p:clrMapOvr>
+    <a:masterClrMapping/>
+  </p:clrMapOvr>
+  <mc:AlternateContent xmlns:mc="http://schemas.openxmlformats.org/markup-compatibility/2006" xmlns:p14="http://schemas.microsoft.com/office/powerpoint/2010/main">
+    <mc:Choice Requires="p14">
+      <p:transition spd="med" p14:dur="700">
+        <p:fade/>
+      </p:transition>
+    </mc:Choice>
+    <mc:Fallback xmlns="">
+      <p:transition spd="med">
+        <p:fade/>
+      </p:transition>
+    </mc:Fallback>
+  </mc:AlternateContent>
+</p:sld>
+</file>
+
+<file path=ppt/slides/slide13.xml><?xml version="1.0" encoding="utf-8"?>
 <p:sld xmlns:a="http://schemas.openxmlformats.org/drawingml/2006/main" xmlns:r="http://schemas.openxmlformats.org/officeDocument/2006/relationships" xmlns:p="http://schemas.openxmlformats.org/presentationml/2006/main">
   <p:cSld>
     <p:spTree>
@@ -26700,7 +29296,7 @@
           <a:p>
             <a:fld id="{34C99D79-8A4B-4031-B1E0-AF26F8EDF2BC}" type="slidenum">
               <a:rPr lang="en-AU" smtClean="0"/>
-              <a:t>10</a:t>
+              <a:t>13</a:t>
             </a:fld>
             <a:endParaRPr lang="en-AU"/>
           </a:p>
@@ -26731,7 +29327,199 @@
 </p:sld>
 </file>
 
-<file path=ppt/slides/slide11.xml><?xml version="1.0" encoding="utf-8"?>
+<file path=ppt/slides/slide14.xml><?xml version="1.0" encoding="utf-8"?>
+<p:sld xmlns:a="http://schemas.openxmlformats.org/drawingml/2006/main" xmlns:r="http://schemas.openxmlformats.org/officeDocument/2006/relationships" xmlns:p="http://schemas.openxmlformats.org/presentationml/2006/main">
+  <p:cSld>
+    <p:spTree>
+      <p:nvGrpSpPr>
+        <p:cNvPr id="1" name=""/>
+        <p:cNvGrpSpPr/>
+        <p:nvPr/>
+      </p:nvGrpSpPr>
+      <p:grpSpPr>
+        <a:xfrm>
+          <a:off x="0" y="0"/>
+          <a:ext cx="0" cy="0"/>
+          <a:chOff x="0" y="0"/>
+          <a:chExt cx="0" cy="0"/>
+        </a:xfrm>
+      </p:grpSpPr>
+      <p:sp>
+        <p:nvSpPr>
+          <p:cNvPr id="2" name="Title 1">
+            <a:extLst>
+              <a:ext uri="{FF2B5EF4-FFF2-40B4-BE49-F238E27FC236}">
+                <a16:creationId xmlns:a16="http://schemas.microsoft.com/office/drawing/2014/main" id="{1EEDA6DD-2E34-9044-8677-C484D465264E}"/>
+              </a:ext>
+            </a:extLst>
+          </p:cNvPr>
+          <p:cNvSpPr>
+            <a:spLocks noGrp="1"/>
+          </p:cNvSpPr>
+          <p:nvPr>
+            <p:ph type="title"/>
+          </p:nvPr>
+        </p:nvSpPr>
+        <p:spPr/>
+        <p:txBody>
+          <a:bodyPr/>
+          <a:lstStyle/>
+          <a:p>
+            <a:r>
+              <a:rPr lang="en-US" dirty="0"/>
+              <a:t>Diagram database</a:t>
+            </a:r>
+          </a:p>
+        </p:txBody>
+      </p:sp>
+      <p:pic>
+        <p:nvPicPr>
+          <p:cNvPr id="6" name="Content Placeholder 5">
+            <a:extLst>
+              <a:ext uri="{FF2B5EF4-FFF2-40B4-BE49-F238E27FC236}">
+                <a16:creationId xmlns:a16="http://schemas.microsoft.com/office/drawing/2014/main" id="{EEECE3AA-441D-1347-A6D1-DA49F77897BC}"/>
+              </a:ext>
+            </a:extLst>
+          </p:cNvPr>
+          <p:cNvPicPr>
+            <a:picLocks noGrp="1" noChangeAspect="1"/>
+          </p:cNvPicPr>
+          <p:nvPr>
+            <p:ph idx="1"/>
+          </p:nvPr>
+        </p:nvPicPr>
+        <p:blipFill>
+          <a:blip r:embed="rId2">
+            <a:extLst>
+              <a:ext uri="{28A0092B-C50C-407E-A947-70E740481C1C}">
+                <a14:useLocalDpi xmlns:a14="http://schemas.microsoft.com/office/drawing/2010/main" val="0"/>
+              </a:ext>
+            </a:extLst>
+          </a:blip>
+          <a:stretch>
+            <a:fillRect/>
+          </a:stretch>
+        </p:blipFill>
+        <p:spPr>
+          <a:xfrm>
+            <a:off x="5374332" y="908720"/>
+            <a:ext cx="5149158" cy="4572000"/>
+          </a:xfrm>
+        </p:spPr>
+      </p:pic>
+      <p:sp>
+        <p:nvSpPr>
+          <p:cNvPr id="4" name="Slide Number Placeholder 3">
+            <a:extLst>
+              <a:ext uri="{FF2B5EF4-FFF2-40B4-BE49-F238E27FC236}">
+                <a16:creationId xmlns:a16="http://schemas.microsoft.com/office/drawing/2014/main" id="{2079CA1E-E44F-904D-B5A3-10D287229D1E}"/>
+              </a:ext>
+            </a:extLst>
+          </p:cNvPr>
+          <p:cNvSpPr>
+            <a:spLocks noGrp="1"/>
+          </p:cNvSpPr>
+          <p:nvPr>
+            <p:ph type="sldNum" sz="quarter" idx="12"/>
+          </p:nvPr>
+        </p:nvSpPr>
+        <p:spPr/>
+        <p:txBody>
+          <a:bodyPr/>
+          <a:lstStyle/>
+          <a:p>
+            <a:fld id="{34C99D79-8A4B-4031-B1E0-AF26F8EDF2BC}" type="slidenum">
+              <a:rPr lang="en-AU" smtClean="0"/>
+              <a:t>14</a:t>
+            </a:fld>
+            <a:endParaRPr lang="en-AU"/>
+          </a:p>
+        </p:txBody>
+      </p:sp>
+      <p:sp>
+        <p:nvSpPr>
+          <p:cNvPr id="7" name="TextBox 6">
+            <a:extLst>
+              <a:ext uri="{FF2B5EF4-FFF2-40B4-BE49-F238E27FC236}">
+                <a16:creationId xmlns:a16="http://schemas.microsoft.com/office/drawing/2014/main" id="{FB0256F5-98F3-BE41-83B7-95F6715BF48D}"/>
+              </a:ext>
+            </a:extLst>
+          </p:cNvPr>
+          <p:cNvSpPr txBox="1"/>
+          <p:nvPr/>
+        </p:nvSpPr>
+        <p:spPr>
+          <a:xfrm>
+            <a:off x="189756" y="2636912"/>
+            <a:ext cx="4936159" cy="1323439"/>
+          </a:xfrm>
+          <a:prstGeom prst="rect">
+            <a:avLst/>
+          </a:prstGeom>
+          <a:noFill/>
+        </p:spPr>
+        <p:txBody>
+          <a:bodyPr wrap="none" rtlCol="0">
+            <a:spAutoFit/>
+          </a:bodyPr>
+          <a:lstStyle/>
+          <a:p>
+            <a:r>
+              <a:rPr lang="en-US" sz="2000" dirty="0"/>
+              <a:t>- ER diagram create in MySQL Workbench,</a:t>
+            </a:r>
+          </a:p>
+          <a:p>
+            <a:r>
+              <a:rPr lang="en-US" sz="2000" dirty="0"/>
+              <a:t>using ‘reverse engineer’ </a:t>
+            </a:r>
+          </a:p>
+          <a:p>
+            <a:endParaRPr lang="en-US" sz="2000" dirty="0"/>
+          </a:p>
+          <a:p>
+            <a:r>
+              <a:rPr lang="en-US" sz="2000" dirty="0"/>
+              <a:t>- Deploy using </a:t>
+            </a:r>
+            <a:r>
+              <a:rPr lang="en-US" sz="2000" dirty="0" err="1"/>
+              <a:t>JawsDB</a:t>
+            </a:r>
+            <a:r>
+              <a:rPr lang="en-US" sz="2000" dirty="0"/>
+              <a:t> MySQL (Heroku)</a:t>
+            </a:r>
+          </a:p>
+        </p:txBody>
+      </p:sp>
+    </p:spTree>
+    <p:extLst>
+      <p:ext uri="{BB962C8B-B14F-4D97-AF65-F5344CB8AC3E}">
+        <p14:creationId xmlns:p14="http://schemas.microsoft.com/office/powerpoint/2010/main" val="4124770524"/>
+      </p:ext>
+    </p:extLst>
+  </p:cSld>
+  <p:clrMapOvr>
+    <a:masterClrMapping/>
+  </p:clrMapOvr>
+  <mc:AlternateContent xmlns:mc="http://schemas.openxmlformats.org/markup-compatibility/2006" xmlns:p14="http://schemas.microsoft.com/office/powerpoint/2010/main">
+    <mc:Choice Requires="p14">
+      <p:transition spd="med" p14:dur="700">
+        <p:fade/>
+      </p:transition>
+    </mc:Choice>
+    <mc:Fallback xmlns="">
+      <p:transition spd="med">
+        <p:fade/>
+      </p:transition>
+    </mc:Fallback>
+  </mc:AlternateContent>
+</p:sld>
+</file>
+
+<file path=ppt/slides/slide15.xml><?xml version="1.0" encoding="utf-8"?>
 <p:sld xmlns:a="http://schemas.openxmlformats.org/drawingml/2006/main" xmlns:r="http://schemas.openxmlformats.org/officeDocument/2006/relationships" xmlns:p="http://schemas.openxmlformats.org/presentationml/2006/main">
   <p:cSld>
     <p:spTree>
@@ -26837,7 +29625,7 @@
           <a:p>
             <a:fld id="{34C99D79-8A4B-4031-B1E0-AF26F8EDF2BC}" type="slidenum">
               <a:rPr lang="en-AU" smtClean="0"/>
-              <a:t>11</a:t>
+              <a:t>15</a:t>
             </a:fld>
             <a:endParaRPr lang="en-AU"/>
           </a:p>
@@ -26868,7 +29656,7 @@
 </p:sld>
 </file>
 
-<file path=ppt/slides/slide12.xml><?xml version="1.0" encoding="utf-8"?>
+<file path=ppt/slides/slide16.xml><?xml version="1.0" encoding="utf-8"?>
 <p:sld xmlns:a="http://schemas.openxmlformats.org/drawingml/2006/main" xmlns:r="http://schemas.openxmlformats.org/officeDocument/2006/relationships" xmlns:p="http://schemas.openxmlformats.org/presentationml/2006/main">
   <p:cSld>
     <p:spTree>
@@ -26968,7 +29756,7 @@
           <a:p>
             <a:fld id="{34C99D79-8A4B-4031-B1E0-AF26F8EDF2BC}" type="slidenum">
               <a:rPr lang="en-AU" smtClean="0"/>
-              <a:t>12</a:t>
+              <a:t>16</a:t>
             </a:fld>
             <a:endParaRPr lang="en-AU"/>
           </a:p>
@@ -26984,13 +29772,13 @@
   <p:clrMapOvr>
     <a:masterClrMapping/>
   </p:clrMapOvr>
-  <mc:AlternateContent xmlns:mc="http://schemas.openxmlformats.org/markup-compatibility/2006">
-    <mc:Choice xmlns:p14="http://schemas.microsoft.com/office/powerpoint/2010/main" Requires="p14">
+  <mc:AlternateContent xmlns:mc="http://schemas.openxmlformats.org/markup-compatibility/2006" xmlns:p14="http://schemas.microsoft.com/office/powerpoint/2010/main">
+    <mc:Choice Requires="p14">
       <p:transition spd="med" p14:dur="700">
         <p:fade/>
       </p:transition>
     </mc:Choice>
-    <mc:Fallback>
+    <mc:Fallback xmlns="">
       <p:transition spd="med">
         <p:fade/>
       </p:transition>
@@ -27382,90 +30170,57 @@
           <a:lstStyle/>
           <a:p>
             <a:r>
-              <a:rPr lang="en-US" sz="2000"/>
+              <a:rPr lang="en-US" sz="2000" dirty="0"/>
               <a:t>Agreed upon project concept as team</a:t>
             </a:r>
           </a:p>
           <a:p>
             <a:r>
-              <a:rPr lang="en-US" sz="2000"/>
+              <a:rPr lang="en-US" sz="2000" dirty="0"/>
               <a:t>Pulled starter code for Project2</a:t>
             </a:r>
           </a:p>
           <a:p>
             <a:r>
-              <a:rPr lang="en-US" sz="2000"/>
+              <a:rPr lang="en-US" sz="2000" dirty="0"/>
               <a:t>Assigned Tasks</a:t>
             </a:r>
           </a:p>
           <a:p>
             <a:pPr lvl="1"/>
             <a:r>
-              <a:rPr lang="en-US" sz="2000"/>
-              <a:t>Louise</a:t>
+              <a:rPr lang="en-US" sz="2000" dirty="0"/>
+              <a:t>Louise Cerdeira</a:t>
             </a:r>
           </a:p>
           <a:p>
             <a:pPr lvl="1"/>
             <a:r>
-              <a:rPr lang="en-US" sz="2000"/>
-              <a:t>Benson</a:t>
+              <a:rPr lang="en-US" sz="2000" dirty="0"/>
+              <a:t>Benson Coelho</a:t>
             </a:r>
           </a:p>
           <a:p>
             <a:pPr lvl="1"/>
             <a:r>
-              <a:rPr lang="en-US" sz="2000"/>
-              <a:t>Yvette</a:t>
+              <a:rPr lang="en-US" sz="2000" dirty="0"/>
+              <a:t>Yvette Waller</a:t>
             </a:r>
           </a:p>
           <a:p>
             <a:r>
-              <a:rPr lang="en-US" sz="2000"/>
+              <a:rPr lang="en-US" sz="2000" dirty="0"/>
               <a:t>Agreed on core structure, design, features and concepts.</a:t>
             </a:r>
           </a:p>
           <a:p>
             <a:r>
-              <a:rPr lang="en-US" sz="2000"/>
+              <a:rPr lang="en-US" sz="2000" dirty="0"/>
               <a:t>Collaborated and communicated to build our code!</a:t>
             </a:r>
           </a:p>
         </p:txBody>
       </p:sp>
-      <p:pic>
-        <p:nvPicPr>
-          <p:cNvPr id="10" name="Content Placeholder 9">
-            <a:extLst>
-              <a:ext uri="{FF2B5EF4-FFF2-40B4-BE49-F238E27FC236}">
-                <a16:creationId xmlns:a16="http://schemas.microsoft.com/office/drawing/2014/main" id="{421916B4-36B0-435B-A3F7-B15E8F379ADB}"/>
-              </a:ext>
-            </a:extLst>
-          </p:cNvPr>
-          <p:cNvPicPr>
-            <a:picLocks noGrp="1" noChangeAspect="1"/>
-          </p:cNvPicPr>
-          <p:nvPr>
-            <p:ph sz="half" idx="2"/>
-          </p:nvPr>
-        </p:nvPicPr>
-        <p:blipFill>
-          <a:blip r:embed="rId2"/>
-          <a:stretch>
-            <a:fillRect/>
-          </a:stretch>
-        </p:blipFill>
-        <p:spPr>
-          <a:xfrm>
-            <a:off x="6094412" y="2533241"/>
-            <a:ext cx="4875530" cy="2705918"/>
-          </a:xfrm>
-          <a:prstGeom prst="rect">
-            <a:avLst/>
-          </a:prstGeom>
-          <a:noFill/>
-        </p:spPr>
-      </p:pic>
       <p:sp>
         <p:nvSpPr>
           <p:cNvPr id="11" name="Slide Number Placeholder 10">
@@ -27518,6 +30273,74 @@
           </a:p>
         </p:txBody>
       </p:sp>
+      <p:pic>
+        <p:nvPicPr>
+          <p:cNvPr id="8" name="Content Placeholder 7" descr="A screenshot of a cell phone&#10;&#10;Description automatically generated">
+            <a:extLst>
+              <a:ext uri="{FF2B5EF4-FFF2-40B4-BE49-F238E27FC236}">
+                <a16:creationId xmlns:a16="http://schemas.microsoft.com/office/drawing/2014/main" id="{5DB866C0-5E2B-E447-BD10-EFE53A2E7A8B}"/>
+              </a:ext>
+            </a:extLst>
+          </p:cNvPr>
+          <p:cNvPicPr>
+            <a:picLocks noGrp="1" noChangeAspect="1"/>
+          </p:cNvPicPr>
+          <p:nvPr>
+            <p:ph sz="half" idx="2"/>
+          </p:nvPr>
+        </p:nvPicPr>
+        <p:blipFill>
+          <a:blip r:embed="rId2">
+            <a:extLst>
+              <a:ext uri="{28A0092B-C50C-407E-A947-70E740481C1C}">
+                <a14:useLocalDpi xmlns:a14="http://schemas.microsoft.com/office/drawing/2010/main" val="0"/>
+              </a:ext>
+            </a:extLst>
+          </a:blip>
+          <a:stretch>
+            <a:fillRect/>
+          </a:stretch>
+        </p:blipFill>
+        <p:spPr>
+          <a:xfrm>
+            <a:off x="6094413" y="2695445"/>
+            <a:ext cx="4875212" cy="2381510"/>
+          </a:xfrm>
+          <a:prstGeom prst="rect">
+            <a:avLst/>
+          </a:prstGeom>
+          <a:solidFill>
+            <a:srgbClr val="FFFFFF">
+              <a:shade val="85000"/>
+            </a:srgbClr>
+          </a:solidFill>
+          <a:ln w="88900" cap="sq">
+            <a:solidFill>
+              <a:srgbClr val="FFFFFF"/>
+            </a:solidFill>
+            <a:miter lim="800000"/>
+          </a:ln>
+          <a:effectLst>
+            <a:outerShdw blurRad="55000" dist="18000" dir="5400000" algn="tl" rotWithShape="0">
+              <a:srgbClr val="000000">
+                <a:alpha val="40000"/>
+              </a:srgbClr>
+            </a:outerShdw>
+          </a:effectLst>
+          <a:scene3d>
+            <a:camera prst="orthographicFront"/>
+            <a:lightRig rig="twoPt" dir="t">
+              <a:rot lat="0" lon="0" rev="7200000"/>
+            </a:lightRig>
+          </a:scene3d>
+          <a:sp3d>
+            <a:bevelT w="25400" h="19050"/>
+            <a:contourClr>
+              <a:srgbClr val="FFFFFF"/>
+            </a:contourClr>
+          </a:sp3d>
+        </p:spPr>
+      </p:pic>
     </p:spTree>
     <p:extLst>
       <p:ext uri="{BB962C8B-B14F-4D97-AF65-F5344CB8AC3E}">
@@ -28012,13 +30835,13 @@
   <p:clrMapOvr>
     <a:masterClrMapping/>
   </p:clrMapOvr>
-  <mc:AlternateContent xmlns:mc="http://schemas.openxmlformats.org/markup-compatibility/2006">
-    <mc:Choice xmlns:p14="http://schemas.microsoft.com/office/powerpoint/2010/main" Requires="p14">
+  <mc:AlternateContent xmlns:mc="http://schemas.openxmlformats.org/markup-compatibility/2006" xmlns:p14="http://schemas.microsoft.com/office/powerpoint/2010/main">
+    <mc:Choice Requires="p14">
       <p:transition spd="med" p14:dur="700">
         <p:fade/>
       </p:transition>
     </mc:Choice>
-    <mc:Fallback>
+    <mc:Fallback xmlns="">
       <p:transition spd="med">
         <p:fade/>
       </p:transition>
@@ -28234,13 +31057,13 @@
   <p:clrMapOvr>
     <a:masterClrMapping/>
   </p:clrMapOvr>
-  <mc:AlternateContent xmlns:mc="http://schemas.openxmlformats.org/markup-compatibility/2006">
-    <mc:Choice xmlns:p14="http://schemas.microsoft.com/office/powerpoint/2010/main" Requires="p14">
+  <mc:AlternateContent xmlns:mc="http://schemas.openxmlformats.org/markup-compatibility/2006" xmlns:p14="http://schemas.microsoft.com/office/powerpoint/2010/main">
+    <mc:Choice Requires="p14">
       <p:transition spd="med" p14:dur="700">
         <p:fade/>
       </p:transition>
     </mc:Choice>
-    <mc:Fallback>
+    <mc:Fallback xmlns="">
       <p:transition spd="med">
         <p:fade/>
       </p:transition>
